--- a/BCI - Day16 - IPFS.pptx
+++ b/BCI - Day16 - IPFS.pptx
@@ -15,24 +15,23 @@
     <p:sldId id="2019" r:id="rId8"/>
     <p:sldId id="2017" r:id="rId9"/>
     <p:sldId id="2025" r:id="rId10"/>
-    <p:sldId id="2026" r:id="rId11"/>
-    <p:sldId id="2014" r:id="rId12"/>
-    <p:sldId id="2021" r:id="rId13"/>
-    <p:sldId id="2024" r:id="rId14"/>
-    <p:sldId id="2022" r:id="rId15"/>
-    <p:sldId id="2023" r:id="rId16"/>
-    <p:sldId id="2020" r:id="rId17"/>
-    <p:sldId id="2027" r:id="rId18"/>
-    <p:sldId id="2028" r:id="rId19"/>
-    <p:sldId id="2029" r:id="rId20"/>
-    <p:sldId id="2033" r:id="rId21"/>
-    <p:sldId id="2030" r:id="rId22"/>
-    <p:sldId id="2031" r:id="rId23"/>
-    <p:sldId id="2032" r:id="rId24"/>
-    <p:sldId id="2034" r:id="rId25"/>
-    <p:sldId id="2035" r:id="rId26"/>
-    <p:sldId id="2037" r:id="rId27"/>
-    <p:sldId id="2036" r:id="rId28"/>
+    <p:sldId id="2014" r:id="rId11"/>
+    <p:sldId id="2021" r:id="rId12"/>
+    <p:sldId id="2024" r:id="rId13"/>
+    <p:sldId id="2022" r:id="rId14"/>
+    <p:sldId id="2023" r:id="rId15"/>
+    <p:sldId id="2020" r:id="rId16"/>
+    <p:sldId id="2027" r:id="rId17"/>
+    <p:sldId id="2028" r:id="rId18"/>
+    <p:sldId id="2029" r:id="rId19"/>
+    <p:sldId id="2033" r:id="rId20"/>
+    <p:sldId id="2030" r:id="rId21"/>
+    <p:sldId id="2031" r:id="rId22"/>
+    <p:sldId id="2032" r:id="rId23"/>
+    <p:sldId id="2034" r:id="rId24"/>
+    <p:sldId id="2035" r:id="rId25"/>
+    <p:sldId id="2037" r:id="rId26"/>
+    <p:sldId id="2036" r:id="rId27"/>
   </p:sldIdLst>
   <p:sldSz cx="9144000" cy="6858000" type="screen4x3"/>
   <p:notesSz cx="7315200" cy="9601200"/>
@@ -7402,42 +7401,14 @@
               <a:buFont typeface="Arial" panose="020B0604020202020204" pitchFamily="34" charset="0"/>
               <a:buChar char="•"/>
             </a:pPr>
-            <a:endParaRPr lang="en-US" altLang="en-US" sz="1540" dirty="0">
-              <a:solidFill>
-                <a:srgbClr val="262626"/>
-              </a:solidFill>
-            </a:endParaRPr>
-          </a:p>
-          <a:p>
-            <a:pPr marL="228600" lvl="0" indent="-228600" defTabSz="342900">
-              <a:lnSpc>
-                <a:spcPct val="120000"/>
-              </a:lnSpc>
-              <a:buFont typeface="Arial" panose="020B0604020202020204" pitchFamily="34" charset="0"/>
-              <a:buChar char="•"/>
-            </a:pPr>
             <a:r>
               <a:rPr lang="en-US" altLang="en-US" sz="1540" dirty="0">
                 <a:solidFill>
                   <a:srgbClr val="262626"/>
                 </a:solidFill>
               </a:rPr>
-              <a:t>Here's how geoDNS works:</a:t>
-            </a:r>
-            <a:endParaRPr lang="en-US" altLang="en-US" sz="1540" dirty="0">
-              <a:solidFill>
-                <a:srgbClr val="262626"/>
-              </a:solidFill>
-            </a:endParaRPr>
-          </a:p>
-          <a:p>
-            <a:pPr marL="228600" lvl="0" indent="-228600" defTabSz="342900">
-              <a:lnSpc>
-                <a:spcPct val="120000"/>
-              </a:lnSpc>
-              <a:buFont typeface="Arial" panose="020B0604020202020204" pitchFamily="34" charset="0"/>
-              <a:buChar char="•"/>
-            </a:pPr>
+              <a:t>Step 3.1:</a:t>
+            </a:r>
             <a:endParaRPr lang="en-US" altLang="en-US" sz="1540" dirty="0">
               <a:solidFill>
                 <a:srgbClr val="262626"/>
@@ -7458,8 +7429,22 @@
                   <a:srgbClr val="262626"/>
                 </a:solidFill>
               </a:rPr>
-              <a:t>It gets the client's IP (if they sent the DNS request) or the IP of the recursive DNS server that is used for processing the request. Generally speaking, such recursive servers are usually the DNSs of the Internet providers.</a:t>
-            </a:r>
+              <a:t>Install IPFS Cluster</a:t>
+            </a:r>
+            <a:endParaRPr lang="en-US" altLang="en-US" sz="1540" dirty="0">
+              <a:solidFill>
+                <a:srgbClr val="262626"/>
+              </a:solidFill>
+            </a:endParaRPr>
+          </a:p>
+          <a:p>
+            <a:pPr marL="228600" lvl="0" indent="-228600" defTabSz="342900">
+              <a:lnSpc>
+                <a:spcPct val="120000"/>
+              </a:lnSpc>
+              <a:buFont typeface="Arial" panose="020B0604020202020204" pitchFamily="34" charset="0"/>
+              <a:buChar char="•"/>
+            </a:pPr>
             <a:endParaRPr lang="en-US" altLang="en-US" sz="1540" dirty="0">
               <a:solidFill>
                 <a:srgbClr val="262626"/>
@@ -7480,8 +7465,22 @@
                   <a:srgbClr val="262626"/>
                 </a:solidFill>
               </a:rPr>
-              <a:t>By the client's IP it identifies their country or region. This operation requires the use of GeoIP database, which are available in no short supply. There are even decent free options.</a:t>
-            </a:r>
+              <a:t>https://medium.com/rahasak/ipfs-cluster-with-docker-db2ec20a6cc1</a:t>
+            </a:r>
+            <a:endParaRPr lang="en-US" altLang="en-US" sz="1540" dirty="0">
+              <a:solidFill>
+                <a:srgbClr val="262626"/>
+              </a:solidFill>
+            </a:endParaRPr>
+          </a:p>
+          <a:p>
+            <a:pPr marL="228600" lvl="0" indent="-228600" defTabSz="342900">
+              <a:lnSpc>
+                <a:spcPct val="120000"/>
+              </a:lnSpc>
+              <a:buFont typeface="Arial" panose="020B0604020202020204" pitchFamily="34" charset="0"/>
+              <a:buChar char="•"/>
+            </a:pPr>
             <a:endParaRPr lang="en-US" altLang="en-US" sz="1540" dirty="0">
               <a:solidFill>
                 <a:srgbClr val="262626"/>
@@ -7502,64 +7501,8 @@
                   <a:srgbClr val="262626"/>
                 </a:solidFill>
               </a:rPr>
-              <a:t>Depending on the client's location, geoDNS returns him the IP address of the closest CDN server.</a:t>
-            </a:r>
-            <a:endParaRPr lang="en-US" altLang="en-US" sz="1540" dirty="0">
-              <a:solidFill>
-                <a:srgbClr val="262626"/>
-              </a:solidFill>
-            </a:endParaRPr>
-          </a:p>
-          <a:p>
-            <a:pPr marL="228600" lvl="0" indent="-228600" defTabSz="342900">
-              <a:lnSpc>
-                <a:spcPct val="120000"/>
-              </a:lnSpc>
-              <a:buFont typeface="Arial" panose="020B0604020202020204" pitchFamily="34" charset="0"/>
-              <a:buChar char="•"/>
-            </a:pPr>
-            <a:endParaRPr lang="en-US" altLang="en-US" sz="1540" dirty="0">
-              <a:solidFill>
-                <a:srgbClr val="262626"/>
-              </a:solidFill>
-            </a:endParaRPr>
-          </a:p>
-          <a:p>
-            <a:pPr marL="228600" lvl="0" indent="-228600" defTabSz="342900">
-              <a:lnSpc>
-                <a:spcPct val="120000"/>
-              </a:lnSpc>
-              <a:buFont typeface="Arial" panose="020B0604020202020204" pitchFamily="34" charset="0"/>
-              <a:buChar char="•"/>
-            </a:pPr>
-            <a:endParaRPr lang="en-US" altLang="en-US" sz="1540" dirty="0">
-              <a:solidFill>
-                <a:srgbClr val="262626"/>
-              </a:solidFill>
-            </a:endParaRPr>
-          </a:p>
-          <a:p>
-            <a:pPr marL="228600" lvl="0" indent="-228600" defTabSz="342900">
-              <a:lnSpc>
-                <a:spcPct val="120000"/>
-              </a:lnSpc>
-              <a:buFont typeface="Arial" panose="020B0604020202020204" pitchFamily="34" charset="0"/>
-              <a:buChar char="•"/>
-            </a:pPr>
-            <a:endParaRPr lang="en-US" altLang="en-US" sz="1540" dirty="0">
-              <a:solidFill>
-                <a:srgbClr val="262626"/>
-              </a:solidFill>
-            </a:endParaRPr>
-          </a:p>
-          <a:p>
-            <a:pPr marL="0" lvl="0" indent="0" defTabSz="342900">
-              <a:lnSpc>
-                <a:spcPct val="120000"/>
-              </a:lnSpc>
-              <a:buFont typeface="Arial" panose="020B0604020202020204" pitchFamily="34" charset="0"/>
-              <a:buNone/>
-            </a:pPr>
+              <a:t>(Terraform and Ansible to auto install and manage the cluster)</a:t>
+            </a:r>
             <a:endParaRPr lang="en-US" altLang="en-US" sz="1540" dirty="0">
               <a:solidFill>
                 <a:srgbClr val="262626"/>
@@ -7709,7 +7652,7 @@
                   <a:srgbClr val="262626"/>
                 </a:solidFill>
               </a:rPr>
-              <a:t>Step 3.1:</a:t>
+              <a:t>Step 3.2:</a:t>
             </a:r>
             <a:endParaRPr lang="en-US" altLang="en-US" sz="1540" dirty="0">
               <a:solidFill>
@@ -7731,80 +7674,36 @@
                   <a:srgbClr val="262626"/>
                 </a:solidFill>
               </a:rPr>
-              <a:t>Install IPFS Cluster</a:t>
-            </a:r>
-            <a:endParaRPr lang="en-US" altLang="en-US" sz="1540" dirty="0">
-              <a:solidFill>
-                <a:srgbClr val="262626"/>
-              </a:solidFill>
-            </a:endParaRPr>
-          </a:p>
-          <a:p>
-            <a:pPr marL="228600" lvl="0" indent="-228600" defTabSz="342900">
-              <a:lnSpc>
-                <a:spcPct val="120000"/>
-              </a:lnSpc>
-              <a:buFont typeface="Arial" panose="020B0604020202020204" pitchFamily="34" charset="0"/>
-              <a:buChar char="•"/>
-            </a:pPr>
-            <a:endParaRPr lang="en-US" altLang="en-US" sz="1540" dirty="0">
-              <a:solidFill>
-                <a:srgbClr val="262626"/>
-              </a:solidFill>
-            </a:endParaRPr>
-          </a:p>
-          <a:p>
-            <a:pPr marL="228600" lvl="0" indent="-228600" defTabSz="342900">
-              <a:lnSpc>
-                <a:spcPct val="120000"/>
-              </a:lnSpc>
-              <a:buFont typeface="Arial" panose="020B0604020202020204" pitchFamily="34" charset="0"/>
-              <a:buChar char="•"/>
-            </a:pPr>
-            <a:r>
-              <a:rPr lang="en-US" altLang="en-US" sz="1540" dirty="0">
-                <a:solidFill>
-                  <a:srgbClr val="262626"/>
-                </a:solidFill>
-              </a:rPr>
-              <a:t>https://medium.com/rahasak/ipfs-cluster-with-docker-db2ec20a6cc1</a:t>
-            </a:r>
-            <a:endParaRPr lang="en-US" altLang="en-US" sz="1540" dirty="0">
-              <a:solidFill>
-                <a:srgbClr val="262626"/>
-              </a:solidFill>
-            </a:endParaRPr>
-          </a:p>
-          <a:p>
-            <a:pPr marL="228600" lvl="0" indent="-228600" defTabSz="342900">
-              <a:lnSpc>
-                <a:spcPct val="120000"/>
-              </a:lnSpc>
-              <a:buFont typeface="Arial" panose="020B0604020202020204" pitchFamily="34" charset="0"/>
-              <a:buChar char="•"/>
-            </a:pPr>
-            <a:endParaRPr lang="en-US" altLang="en-US" sz="1540" dirty="0">
-              <a:solidFill>
-                <a:srgbClr val="262626"/>
-              </a:solidFill>
-            </a:endParaRPr>
-          </a:p>
-          <a:p>
-            <a:pPr marL="228600" lvl="0" indent="-228600" defTabSz="342900">
-              <a:lnSpc>
-                <a:spcPct val="120000"/>
-              </a:lnSpc>
-              <a:buFont typeface="Arial" panose="020B0604020202020204" pitchFamily="34" charset="0"/>
-              <a:buChar char="•"/>
-            </a:pPr>
-            <a:r>
-              <a:rPr lang="en-US" altLang="en-US" sz="1540" dirty="0">
-                <a:solidFill>
-                  <a:srgbClr val="262626"/>
-                </a:solidFill>
-              </a:rPr>
-              <a:t>(Terraform and Ansible to auto install and manage the cluster)</a:t>
-            </a:r>
+              <a:t>СlouDNS,Zilore, Amazon Route 53, Cloudflare</a:t>
+            </a:r>
+            <a:endParaRPr lang="en-US" altLang="en-US" sz="1540" dirty="0">
+              <a:solidFill>
+                <a:srgbClr val="262626"/>
+              </a:solidFill>
+            </a:endParaRPr>
+          </a:p>
+          <a:p>
+            <a:pPr marL="228600" lvl="0" indent="-228600" defTabSz="342900">
+              <a:lnSpc>
+                <a:spcPct val="120000"/>
+              </a:lnSpc>
+              <a:buFont typeface="Arial" panose="020B0604020202020204" pitchFamily="34" charset="0"/>
+              <a:buChar char="•"/>
+            </a:pPr>
+            <a:endParaRPr lang="en-US" altLang="en-US" sz="1540" dirty="0">
+              <a:solidFill>
+                <a:srgbClr val="262626"/>
+              </a:solidFill>
+            </a:endParaRPr>
+          </a:p>
+          <a:p>
+            <a:pPr marL="0" lvl="0" indent="0" defTabSz="342900">
+              <a:lnSpc>
+                <a:spcPct val="120000"/>
+              </a:lnSpc>
+              <a:buFont typeface="Arial" panose="020B0604020202020204" pitchFamily="34" charset="0"/>
+              <a:buNone/>
+            </a:pPr>
             <a:endParaRPr lang="en-US" altLang="en-US" sz="1540" dirty="0">
               <a:solidFill>
                 <a:srgbClr val="262626"/>
@@ -7813,6 +7712,30 @@
           </a:p>
         </p:txBody>
       </p:sp>
+      <p:pic>
+        <p:nvPicPr>
+          <p:cNvPr id="4" name="图片 3"/>
+          <p:cNvPicPr>
+            <a:picLocks noChangeAspect="1"/>
+          </p:cNvPicPr>
+          <p:nvPr/>
+        </p:nvPicPr>
+        <p:blipFill>
+          <a:blip r:embed="rId1"/>
+          <a:stretch>
+            <a:fillRect/>
+          </a:stretch>
+        </p:blipFill>
+        <p:spPr>
+          <a:xfrm>
+            <a:off x="628650" y="2785745"/>
+            <a:ext cx="5133975" cy="3657600"/>
+          </a:xfrm>
+          <a:prstGeom prst="rect">
+            <a:avLst/>
+          </a:prstGeom>
+        </p:spPr>
+      </p:pic>
     </p:spTree>
   </p:cSld>
   <p:clrMapOvr>
@@ -7932,7 +7855,7 @@
                   <a:srgbClr val="262626"/>
                 </a:solidFill>
               </a:rPr>
-              <a:t>how to build your CND using IPFS cluster?</a:t>
+              <a:t>how to build your CDN using IPFS cluster?</a:t>
             </a:r>
             <a:endParaRPr lang="en-US" altLang="en-US" sz="1540" dirty="0">
               <a:solidFill>
@@ -7954,7 +7877,7 @@
                   <a:srgbClr val="262626"/>
                 </a:solidFill>
               </a:rPr>
-              <a:t>Step 3.2:</a:t>
+              <a:t>Step 3.1:</a:t>
             </a:r>
             <a:endParaRPr lang="en-US" altLang="en-US" sz="1540" dirty="0">
               <a:solidFill>
@@ -8016,7 +7939,7 @@
       </p:sp>
       <p:pic>
         <p:nvPicPr>
-          <p:cNvPr id="4" name="图片 3"/>
+          <p:cNvPr id="5" name="图片 4"/>
           <p:cNvPicPr>
             <a:picLocks noChangeAspect="1"/>
           </p:cNvPicPr>
@@ -8030,8 +7953,8 @@
         </p:blipFill>
         <p:spPr>
           <a:xfrm>
-            <a:off x="628650" y="2785745"/>
-            <a:ext cx="5133975" cy="3657600"/>
+            <a:off x="628650" y="2632710"/>
+            <a:ext cx="5648325" cy="3962400"/>
           </a:xfrm>
           <a:prstGeom prst="rect">
             <a:avLst/>
@@ -8091,7 +8014,7 @@
                 <a:latin typeface="Calibri" panose="020F0502020204030204" pitchFamily="34" charset="0"/>
                 <a:cs typeface="Calibri" panose="020F0502020204030204" pitchFamily="34" charset="0"/>
               </a:rPr>
-              <a:t>IPFS Cluster</a:t>
+              <a:t>OrbitDB</a:t>
             </a:r>
             <a:endParaRPr lang="en-US" sz="3200" b="1" dirty="0">
               <a:latin typeface="Calibri" panose="020F0502020204030204" pitchFamily="34" charset="0"/>
@@ -8135,74 +8058,64 @@
                   <a:srgbClr val="262626"/>
                 </a:solidFill>
               </a:rPr>
-              <a:t>IPFS Cluster</a:t>
-            </a:r>
-            <a:endParaRPr lang="en-US" altLang="en-US" sz="1540" dirty="0">
-              <a:solidFill>
-                <a:srgbClr val="262626"/>
-              </a:solidFill>
-            </a:endParaRPr>
-          </a:p>
-          <a:p>
-            <a:pPr marL="228600" lvl="0" indent="-228600" defTabSz="342900">
-              <a:lnSpc>
-                <a:spcPct val="120000"/>
-              </a:lnSpc>
-              <a:buFont typeface="Arial" panose="020B0604020202020204" pitchFamily="34" charset="0"/>
-              <a:buChar char="•"/>
-            </a:pPr>
-            <a:r>
-              <a:rPr lang="en-US" altLang="en-US" sz="1540" dirty="0">
-                <a:solidFill>
-                  <a:srgbClr val="262626"/>
-                </a:solidFill>
-              </a:rPr>
-              <a:t>how to build your CND using IPFS cluster?</a:t>
-            </a:r>
-            <a:endParaRPr lang="en-US" altLang="en-US" sz="1540" dirty="0">
-              <a:solidFill>
-                <a:srgbClr val="262626"/>
-              </a:solidFill>
-            </a:endParaRPr>
-          </a:p>
-          <a:p>
-            <a:pPr marL="228600" lvl="0" indent="-228600" defTabSz="342900">
-              <a:lnSpc>
-                <a:spcPct val="120000"/>
-              </a:lnSpc>
-              <a:buFont typeface="Arial" panose="020B0604020202020204" pitchFamily="34" charset="0"/>
-              <a:buChar char="•"/>
-            </a:pPr>
-            <a:r>
-              <a:rPr lang="en-US" altLang="en-US" sz="1540" dirty="0">
-                <a:solidFill>
-                  <a:srgbClr val="262626"/>
-                </a:solidFill>
-              </a:rPr>
-              <a:t>Step 3.1:</a:t>
-            </a:r>
-            <a:endParaRPr lang="en-US" altLang="en-US" sz="1540" dirty="0">
-              <a:solidFill>
-                <a:srgbClr val="262626"/>
-              </a:solidFill>
-            </a:endParaRPr>
-          </a:p>
-          <a:p>
-            <a:pPr marL="228600" lvl="0" indent="-228600" defTabSz="342900">
-              <a:lnSpc>
-                <a:spcPct val="120000"/>
-              </a:lnSpc>
-              <a:buFont typeface="Arial" panose="020B0604020202020204" pitchFamily="34" charset="0"/>
-              <a:buChar char="•"/>
-            </a:pPr>
-            <a:r>
-              <a:rPr lang="en-US" altLang="en-US" sz="1540" dirty="0">
-                <a:solidFill>
-                  <a:srgbClr val="262626"/>
-                </a:solidFill>
-              </a:rPr>
-              <a:t>СlouDNS,Zilore, Amazon Route 53, Cloudflare</a:t>
-            </a:r>
+              <a:t>OrbitDB is a serverless, distributed, peer-to-peer database. OrbitDB uses IPFS as its data storage and IPFS Pubsub to automatically sync databases with peers. </a:t>
+            </a:r>
+            <a:endParaRPr lang="en-US" altLang="en-US" sz="1540" dirty="0">
+              <a:solidFill>
+                <a:srgbClr val="262626"/>
+              </a:solidFill>
+            </a:endParaRPr>
+          </a:p>
+          <a:p>
+            <a:pPr marL="228600" lvl="0" indent="-228600" defTabSz="342900">
+              <a:lnSpc>
+                <a:spcPct val="120000"/>
+              </a:lnSpc>
+              <a:buFont typeface="Arial" panose="020B0604020202020204" pitchFamily="34" charset="0"/>
+              <a:buChar char="•"/>
+            </a:pPr>
+            <a:endParaRPr lang="en-US" altLang="en-US" sz="1540" dirty="0">
+              <a:solidFill>
+                <a:srgbClr val="262626"/>
+              </a:solidFill>
+            </a:endParaRPr>
+          </a:p>
+          <a:p>
+            <a:pPr marL="228600" lvl="0" indent="-228600" defTabSz="342900">
+              <a:lnSpc>
+                <a:spcPct val="120000"/>
+              </a:lnSpc>
+              <a:buFont typeface="Arial" panose="020B0604020202020204" pitchFamily="34" charset="0"/>
+              <a:buChar char="•"/>
+            </a:pPr>
+            <a:endParaRPr lang="en-US" altLang="en-US" sz="1540" dirty="0">
+              <a:solidFill>
+                <a:srgbClr val="262626"/>
+              </a:solidFill>
+            </a:endParaRPr>
+          </a:p>
+          <a:p>
+            <a:pPr marL="228600" lvl="0" indent="-228600" defTabSz="342900">
+              <a:lnSpc>
+                <a:spcPct val="120000"/>
+              </a:lnSpc>
+              <a:buFont typeface="Arial" panose="020B0604020202020204" pitchFamily="34" charset="0"/>
+              <a:buChar char="•"/>
+            </a:pPr>
+            <a:endParaRPr lang="en-US" altLang="en-US" sz="1540" dirty="0">
+              <a:solidFill>
+                <a:srgbClr val="262626"/>
+              </a:solidFill>
+            </a:endParaRPr>
+          </a:p>
+          <a:p>
+            <a:pPr marL="228600" lvl="0" indent="-228600" defTabSz="342900">
+              <a:lnSpc>
+                <a:spcPct val="120000"/>
+              </a:lnSpc>
+              <a:buFont typeface="Arial" panose="020B0604020202020204" pitchFamily="34" charset="0"/>
+              <a:buChar char="•"/>
+            </a:pPr>
             <a:endParaRPr lang="en-US" altLang="en-US" sz="1540" dirty="0">
               <a:solidFill>
                 <a:srgbClr val="262626"/>
@@ -8241,7 +8154,7 @@
       </p:sp>
       <p:pic>
         <p:nvPicPr>
-          <p:cNvPr id="5" name="图片 4"/>
+          <p:cNvPr id="4" name="图片 3"/>
           <p:cNvPicPr>
             <a:picLocks noChangeAspect="1"/>
           </p:cNvPicPr>
@@ -8255,8 +8168,8 @@
         </p:blipFill>
         <p:spPr>
           <a:xfrm>
-            <a:off x="628650" y="2632710"/>
-            <a:ext cx="5648325" cy="3962400"/>
+            <a:off x="628650" y="1770380"/>
+            <a:ext cx="5372100" cy="4953000"/>
           </a:xfrm>
           <a:prstGeom prst="rect">
             <a:avLst/>
@@ -8360,221 +8273,6 @@
                   <a:srgbClr val="262626"/>
                 </a:solidFill>
               </a:rPr>
-              <a:t>OrbitDB is a serverless, distributed, peer-to-peer database. OrbitDB uses IPFS as its data storage and IPFS Pubsub to automatically sync databases with peers. </a:t>
-            </a:r>
-            <a:endParaRPr lang="en-US" altLang="en-US" sz="1540" dirty="0">
-              <a:solidFill>
-                <a:srgbClr val="262626"/>
-              </a:solidFill>
-            </a:endParaRPr>
-          </a:p>
-          <a:p>
-            <a:pPr marL="228600" lvl="0" indent="-228600" defTabSz="342900">
-              <a:lnSpc>
-                <a:spcPct val="120000"/>
-              </a:lnSpc>
-              <a:buFont typeface="Arial" panose="020B0604020202020204" pitchFamily="34" charset="0"/>
-              <a:buChar char="•"/>
-            </a:pPr>
-            <a:endParaRPr lang="en-US" altLang="en-US" sz="1540" dirty="0">
-              <a:solidFill>
-                <a:srgbClr val="262626"/>
-              </a:solidFill>
-            </a:endParaRPr>
-          </a:p>
-          <a:p>
-            <a:pPr marL="228600" lvl="0" indent="-228600" defTabSz="342900">
-              <a:lnSpc>
-                <a:spcPct val="120000"/>
-              </a:lnSpc>
-              <a:buFont typeface="Arial" panose="020B0604020202020204" pitchFamily="34" charset="0"/>
-              <a:buChar char="•"/>
-            </a:pPr>
-            <a:endParaRPr lang="en-US" altLang="en-US" sz="1540" dirty="0">
-              <a:solidFill>
-                <a:srgbClr val="262626"/>
-              </a:solidFill>
-            </a:endParaRPr>
-          </a:p>
-          <a:p>
-            <a:pPr marL="228600" lvl="0" indent="-228600" defTabSz="342900">
-              <a:lnSpc>
-                <a:spcPct val="120000"/>
-              </a:lnSpc>
-              <a:buFont typeface="Arial" panose="020B0604020202020204" pitchFamily="34" charset="0"/>
-              <a:buChar char="•"/>
-            </a:pPr>
-            <a:endParaRPr lang="en-US" altLang="en-US" sz="1540" dirty="0">
-              <a:solidFill>
-                <a:srgbClr val="262626"/>
-              </a:solidFill>
-            </a:endParaRPr>
-          </a:p>
-          <a:p>
-            <a:pPr marL="228600" lvl="0" indent="-228600" defTabSz="342900">
-              <a:lnSpc>
-                <a:spcPct val="120000"/>
-              </a:lnSpc>
-              <a:buFont typeface="Arial" panose="020B0604020202020204" pitchFamily="34" charset="0"/>
-              <a:buChar char="•"/>
-            </a:pPr>
-            <a:endParaRPr lang="en-US" altLang="en-US" sz="1540" dirty="0">
-              <a:solidFill>
-                <a:srgbClr val="262626"/>
-              </a:solidFill>
-            </a:endParaRPr>
-          </a:p>
-          <a:p>
-            <a:pPr marL="228600" lvl="0" indent="-228600" defTabSz="342900">
-              <a:lnSpc>
-                <a:spcPct val="120000"/>
-              </a:lnSpc>
-              <a:buFont typeface="Arial" panose="020B0604020202020204" pitchFamily="34" charset="0"/>
-              <a:buChar char="•"/>
-            </a:pPr>
-            <a:endParaRPr lang="en-US" altLang="en-US" sz="1540" dirty="0">
-              <a:solidFill>
-                <a:srgbClr val="262626"/>
-              </a:solidFill>
-            </a:endParaRPr>
-          </a:p>
-          <a:p>
-            <a:pPr marL="0" lvl="0" indent="0" defTabSz="342900">
-              <a:lnSpc>
-                <a:spcPct val="120000"/>
-              </a:lnSpc>
-              <a:buFont typeface="Arial" panose="020B0604020202020204" pitchFamily="34" charset="0"/>
-              <a:buNone/>
-            </a:pPr>
-            <a:endParaRPr lang="en-US" altLang="en-US" sz="1540" dirty="0">
-              <a:solidFill>
-                <a:srgbClr val="262626"/>
-              </a:solidFill>
-            </a:endParaRPr>
-          </a:p>
-        </p:txBody>
-      </p:sp>
-      <p:pic>
-        <p:nvPicPr>
-          <p:cNvPr id="4" name="图片 3"/>
-          <p:cNvPicPr>
-            <a:picLocks noChangeAspect="1"/>
-          </p:cNvPicPr>
-          <p:nvPr/>
-        </p:nvPicPr>
-        <p:blipFill>
-          <a:blip r:embed="rId1"/>
-          <a:stretch>
-            <a:fillRect/>
-          </a:stretch>
-        </p:blipFill>
-        <p:spPr>
-          <a:xfrm>
-            <a:off x="628650" y="1770380"/>
-            <a:ext cx="5372100" cy="4953000"/>
-          </a:xfrm>
-          <a:prstGeom prst="rect">
-            <a:avLst/>
-          </a:prstGeom>
-        </p:spPr>
-      </p:pic>
-    </p:spTree>
-  </p:cSld>
-  <p:clrMapOvr>
-    <a:masterClrMapping/>
-  </p:clrMapOvr>
-</p:sld>
-</file>
-
-<file path=ppt/slides/slide15.xml><?xml version="1.0" encoding="utf-8"?>
-<p:sld xmlns:a="http://schemas.openxmlformats.org/drawingml/2006/main" xmlns:r="http://schemas.openxmlformats.org/officeDocument/2006/relationships" xmlns:p="http://schemas.openxmlformats.org/presentationml/2006/main">
-  <p:cSld>
-    <p:spTree>
-      <p:nvGrpSpPr>
-        <p:cNvPr id="1" name=""/>
-        <p:cNvGrpSpPr/>
-        <p:nvPr/>
-      </p:nvGrpSpPr>
-      <p:grpSpPr>
-        <a:xfrm>
-          <a:off x="0" y="0"/>
-          <a:ext cx="0" cy="0"/>
-          <a:chOff x="0" y="0"/>
-          <a:chExt cx="0" cy="0"/>
-        </a:xfrm>
-      </p:grpSpPr>
-      <p:sp>
-        <p:nvSpPr>
-          <p:cNvPr id="2" name="Title 1"/>
-          <p:cNvSpPr>
-            <a:spLocks noGrp="1"/>
-          </p:cNvSpPr>
-          <p:nvPr>
-            <p:ph type="title"/>
-          </p:nvPr>
-        </p:nvSpPr>
-        <p:spPr>
-          <a:xfrm>
-            <a:off x="628650" y="155263"/>
-            <a:ext cx="7886700" cy="526790"/>
-          </a:xfrm>
-        </p:spPr>
-        <p:txBody>
-          <a:bodyPr>
-            <a:normAutofit fontScale="90000"/>
-          </a:bodyPr>
-          <a:lstStyle/>
-          <a:p>
-            <a:pPr algn="ctr"/>
-            <a:r>
-              <a:rPr lang="en-US" sz="3200" b="1" dirty="0">
-                <a:latin typeface="Calibri" panose="020F0502020204030204" pitchFamily="34" charset="0"/>
-                <a:cs typeface="Calibri" panose="020F0502020204030204" pitchFamily="34" charset="0"/>
-              </a:rPr>
-              <a:t>OrbitDB</a:t>
-            </a:r>
-            <a:endParaRPr lang="en-US" sz="3200" b="1" dirty="0">
-              <a:latin typeface="Calibri" panose="020F0502020204030204" pitchFamily="34" charset="0"/>
-              <a:cs typeface="Calibri" panose="020F0502020204030204" pitchFamily="34" charset="0"/>
-            </a:endParaRPr>
-          </a:p>
-        </p:txBody>
-      </p:sp>
-      <p:sp>
-        <p:nvSpPr>
-          <p:cNvPr id="3" name="Content Placeholder 2"/>
-          <p:cNvSpPr>
-            <a:spLocks noGrp="1"/>
-          </p:cNvSpPr>
-          <p:nvPr>
-            <p:ph idx="1"/>
-          </p:nvPr>
-        </p:nvSpPr>
-        <p:spPr>
-          <a:xfrm>
-            <a:off x="628650" y="989044"/>
-            <a:ext cx="7886700" cy="5605719"/>
-          </a:xfrm>
-        </p:spPr>
-        <p:txBody>
-          <a:bodyPr>
-            <a:normAutofit lnSpcReduction="10000"/>
-          </a:bodyPr>
-          <a:lstStyle/>
-          <a:p>
-            <a:pPr marL="228600" lvl="0" indent="-228600" defTabSz="342900">
-              <a:lnSpc>
-                <a:spcPct val="120000"/>
-              </a:lnSpc>
-              <a:buFont typeface="Arial" panose="020B0604020202020204" pitchFamily="34" charset="0"/>
-              <a:buChar char="•"/>
-            </a:pPr>
-            <a:r>
-              <a:rPr lang="en-US" altLang="en-US" sz="1540" dirty="0">
-                <a:solidFill>
-                  <a:srgbClr val="262626"/>
-                </a:solidFill>
-              </a:rPr>
               <a:t>Data Type:</a:t>
             </a:r>
             <a:endParaRPr lang="en-US" altLang="en-US" sz="1540" dirty="0">
@@ -8899,7 +8597,7 @@
 </p:sld>
 </file>
 
-<file path=ppt/slides/slide16.xml><?xml version="1.0" encoding="utf-8"?>
+<file path=ppt/slides/slide15.xml><?xml version="1.0" encoding="utf-8"?>
 <p:sld xmlns:a="http://schemas.openxmlformats.org/drawingml/2006/main" xmlns:r="http://schemas.openxmlformats.org/officeDocument/2006/relationships" xmlns:p="http://schemas.openxmlformats.org/presentationml/2006/main">
   <p:cSld>
     <p:spTree>
@@ -9266,6 +8964,187 @@
 </p:sld>
 </file>
 
+<file path=ppt/slides/slide16.xml><?xml version="1.0" encoding="utf-8"?>
+<p:sld xmlns:a="http://schemas.openxmlformats.org/drawingml/2006/main" xmlns:r="http://schemas.openxmlformats.org/officeDocument/2006/relationships" xmlns:p="http://schemas.openxmlformats.org/presentationml/2006/main">
+  <p:cSld>
+    <p:spTree>
+      <p:nvGrpSpPr>
+        <p:cNvPr id="1" name=""/>
+        <p:cNvGrpSpPr/>
+        <p:nvPr/>
+      </p:nvGrpSpPr>
+      <p:grpSpPr>
+        <a:xfrm>
+          <a:off x="0" y="0"/>
+          <a:ext cx="0" cy="0"/>
+          <a:chOff x="0" y="0"/>
+          <a:chExt cx="0" cy="0"/>
+        </a:xfrm>
+      </p:grpSpPr>
+      <p:sp>
+        <p:nvSpPr>
+          <p:cNvPr id="2" name="Title 1"/>
+          <p:cNvSpPr>
+            <a:spLocks noGrp="1"/>
+          </p:cNvSpPr>
+          <p:nvPr>
+            <p:ph type="title"/>
+          </p:nvPr>
+        </p:nvSpPr>
+        <p:spPr>
+          <a:xfrm>
+            <a:off x="628650" y="155263"/>
+            <a:ext cx="7886700" cy="526790"/>
+          </a:xfrm>
+        </p:spPr>
+        <p:txBody>
+          <a:bodyPr>
+            <a:normAutofit fontScale="90000"/>
+          </a:bodyPr>
+          <a:lstStyle/>
+          <a:p>
+            <a:pPr algn="ctr"/>
+            <a:r>
+              <a:rPr lang="en-US" sz="3200" b="1" dirty="0">
+                <a:latin typeface="Calibri" panose="020F0502020204030204" pitchFamily="34" charset="0"/>
+                <a:cs typeface="Calibri" panose="020F0502020204030204" pitchFamily="34" charset="0"/>
+              </a:rPr>
+              <a:t>OrbitDB</a:t>
+            </a:r>
+            <a:endParaRPr lang="en-US" sz="3200" b="1" dirty="0">
+              <a:latin typeface="Calibri" panose="020F0502020204030204" pitchFamily="34" charset="0"/>
+              <a:cs typeface="Calibri" panose="020F0502020204030204" pitchFamily="34" charset="0"/>
+            </a:endParaRPr>
+          </a:p>
+        </p:txBody>
+      </p:sp>
+      <p:sp>
+        <p:nvSpPr>
+          <p:cNvPr id="3" name="Content Placeholder 2"/>
+          <p:cNvSpPr>
+            <a:spLocks noGrp="1"/>
+          </p:cNvSpPr>
+          <p:nvPr>
+            <p:ph idx="1"/>
+          </p:nvPr>
+        </p:nvSpPr>
+        <p:spPr>
+          <a:xfrm>
+            <a:off x="628650" y="989044"/>
+            <a:ext cx="7886700" cy="5605719"/>
+          </a:xfrm>
+        </p:spPr>
+        <p:txBody>
+          <a:bodyPr>
+            <a:normAutofit lnSpcReduction="10000"/>
+          </a:bodyPr>
+          <a:lstStyle/>
+          <a:p>
+            <a:pPr marL="228600" lvl="0" indent="-228600" defTabSz="342900">
+              <a:lnSpc>
+                <a:spcPct val="120000"/>
+              </a:lnSpc>
+              <a:buFont typeface="Arial" panose="020B0604020202020204" pitchFamily="34" charset="0"/>
+              <a:buChar char="•"/>
+            </a:pPr>
+            <a:r>
+              <a:rPr lang="en-US" altLang="en-US" sz="1540" dirty="0">
+                <a:solidFill>
+                  <a:srgbClr val="262626"/>
+                </a:solidFill>
+              </a:rPr>
+              <a:t>Features:</a:t>
+            </a:r>
+            <a:endParaRPr lang="en-US" altLang="en-US" sz="1540" dirty="0">
+              <a:solidFill>
+                <a:srgbClr val="262626"/>
+              </a:solidFill>
+            </a:endParaRPr>
+          </a:p>
+          <a:p>
+            <a:pPr marL="228600" lvl="0" indent="-228600" defTabSz="342900">
+              <a:lnSpc>
+                <a:spcPct val="120000"/>
+              </a:lnSpc>
+              <a:buFont typeface="Arial" panose="020B0604020202020204" pitchFamily="34" charset="0"/>
+              <a:buChar char="•"/>
+            </a:pPr>
+            <a:r>
+              <a:rPr lang="en-US" altLang="en-US" sz="1540" dirty="0">
+                <a:solidFill>
+                  <a:srgbClr val="262626"/>
+                </a:solidFill>
+              </a:rPr>
+              <a:t>2 Event:  event and feed  </a:t>
+            </a:r>
+            <a:endParaRPr lang="en-US" altLang="en-US" sz="1540" dirty="0">
+              <a:solidFill>
+                <a:srgbClr val="262626"/>
+              </a:solidFill>
+            </a:endParaRPr>
+          </a:p>
+          <a:p>
+            <a:pPr marL="228600" lvl="0" indent="-228600" defTabSz="342900">
+              <a:lnSpc>
+                <a:spcPct val="120000"/>
+              </a:lnSpc>
+              <a:buFont typeface="Arial" panose="020B0604020202020204" pitchFamily="34" charset="0"/>
+              <a:buChar char="•"/>
+            </a:pPr>
+            <a:endParaRPr lang="en-US" altLang="en-US" sz="1540" dirty="0">
+              <a:solidFill>
+                <a:srgbClr val="262626"/>
+              </a:solidFill>
+            </a:endParaRPr>
+          </a:p>
+          <a:p>
+            <a:pPr marL="0" lvl="0" indent="0" defTabSz="342900">
+              <a:lnSpc>
+                <a:spcPct val="120000"/>
+              </a:lnSpc>
+              <a:buFont typeface="Arial" panose="020B0604020202020204" pitchFamily="34" charset="0"/>
+              <a:buNone/>
+            </a:pPr>
+            <a:endParaRPr lang="en-US" altLang="en-US" sz="1540" dirty="0">
+              <a:solidFill>
+                <a:srgbClr val="262626"/>
+              </a:solidFill>
+            </a:endParaRPr>
+          </a:p>
+        </p:txBody>
+      </p:sp>
+      <p:pic>
+        <p:nvPicPr>
+          <p:cNvPr id="5" name="图片 4"/>
+          <p:cNvPicPr>
+            <a:picLocks noChangeAspect="1"/>
+          </p:cNvPicPr>
+          <p:nvPr/>
+        </p:nvPicPr>
+        <p:blipFill>
+          <a:blip r:embed="rId1"/>
+          <a:stretch>
+            <a:fillRect/>
+          </a:stretch>
+        </p:blipFill>
+        <p:spPr>
+          <a:xfrm>
+            <a:off x="628650" y="2011045"/>
+            <a:ext cx="6400800" cy="4064635"/>
+          </a:xfrm>
+          <a:prstGeom prst="rect">
+            <a:avLst/>
+          </a:prstGeom>
+        </p:spPr>
+      </p:pic>
+    </p:spTree>
+  </p:cSld>
+  <p:clrMapOvr>
+    <a:masterClrMapping/>
+  </p:clrMapOvr>
+</p:sld>
+</file>
+
 <file path=ppt/slides/slide17.xml><?xml version="1.0" encoding="utf-8"?>
 <p:sld xmlns:a="http://schemas.openxmlformats.org/drawingml/2006/main" xmlns:r="http://schemas.openxmlformats.org/officeDocument/2006/relationships" xmlns:p="http://schemas.openxmlformats.org/presentationml/2006/main">
   <p:cSld>
@@ -9311,7 +9190,7 @@
                 <a:latin typeface="Calibri" panose="020F0502020204030204" pitchFamily="34" charset="0"/>
                 <a:cs typeface="Calibri" panose="020F0502020204030204" pitchFamily="34" charset="0"/>
               </a:rPr>
-              <a:t>OrbitDB</a:t>
+              <a:t>Orbit Core</a:t>
             </a:r>
             <a:endParaRPr lang="en-US" sz="3200" b="1" dirty="0">
               <a:latin typeface="Calibri" panose="020F0502020204030204" pitchFamily="34" charset="0"/>
@@ -9355,7 +9234,7 @@
                   <a:srgbClr val="262626"/>
                 </a:solidFill>
               </a:rPr>
-              <a:t>Features:</a:t>
+              <a:t>Orbit is a serverless, distributed, p2p communication library and protocol that enables feed-based information sharing2 Event:  event and feed  </a:t>
             </a:r>
             <a:endParaRPr lang="en-US" altLang="en-US" sz="1540" dirty="0">
               <a:solidFill>
@@ -9377,8 +9256,36 @@
                   <a:srgbClr val="262626"/>
                 </a:solidFill>
               </a:rPr>
-              <a:t>2 Event:  event and feed  </a:t>
-            </a:r>
+              <a:t>https://github.com/orbitdb/orbit-core</a:t>
+            </a:r>
+            <a:endParaRPr lang="en-US" altLang="en-US" sz="1540" dirty="0">
+              <a:solidFill>
+                <a:srgbClr val="262626"/>
+              </a:solidFill>
+            </a:endParaRPr>
+          </a:p>
+          <a:p>
+            <a:pPr marL="228600" lvl="0" indent="-228600" defTabSz="342900">
+              <a:lnSpc>
+                <a:spcPct val="120000"/>
+              </a:lnSpc>
+              <a:buFont typeface="Arial" panose="020B0604020202020204" pitchFamily="34" charset="0"/>
+              <a:buChar char="•"/>
+            </a:pPr>
+            <a:endParaRPr lang="en-US" altLang="en-US" sz="1540" dirty="0">
+              <a:solidFill>
+                <a:srgbClr val="262626"/>
+              </a:solidFill>
+            </a:endParaRPr>
+          </a:p>
+          <a:p>
+            <a:pPr marL="228600" lvl="0" indent="-228600" defTabSz="342900">
+              <a:lnSpc>
+                <a:spcPct val="120000"/>
+              </a:lnSpc>
+              <a:buFont typeface="Arial" panose="020B0604020202020204" pitchFamily="34" charset="0"/>
+              <a:buChar char="•"/>
+            </a:pPr>
             <a:endParaRPr lang="en-US" altLang="en-US" sz="1540" dirty="0">
               <a:solidFill>
                 <a:srgbClr val="262626"/>
@@ -9417,7 +9324,7 @@
       </p:sp>
       <p:pic>
         <p:nvPicPr>
-          <p:cNvPr id="5" name="图片 4"/>
+          <p:cNvPr id="4" name="图片 3"/>
           <p:cNvPicPr>
             <a:picLocks noChangeAspect="1"/>
           </p:cNvPicPr>
@@ -9431,8 +9338,8 @@
         </p:blipFill>
         <p:spPr>
           <a:xfrm>
-            <a:off x="628650" y="2011045"/>
-            <a:ext cx="6400800" cy="4064635"/>
+            <a:off x="1623060" y="1976755"/>
+            <a:ext cx="5742940" cy="4881245"/>
           </a:xfrm>
           <a:prstGeom prst="rect">
             <a:avLst/>
@@ -9492,7 +9399,7 @@
                 <a:latin typeface="Calibri" panose="020F0502020204030204" pitchFamily="34" charset="0"/>
                 <a:cs typeface="Calibri" panose="020F0502020204030204" pitchFamily="34" charset="0"/>
               </a:rPr>
-              <a:t>Orbit Core</a:t>
+              <a:t>Cases</a:t>
             </a:r>
             <a:endParaRPr lang="en-US" sz="3200" b="1" dirty="0">
               <a:latin typeface="Calibri" panose="020F0502020204030204" pitchFamily="34" charset="0"/>
@@ -9536,216 +9443,7 @@
                   <a:srgbClr val="262626"/>
                 </a:solidFill>
               </a:rPr>
-              <a:t>Orbit is a serverless, distributed, p2p communication library and protocol that enables feed-based information sharing2 Event:  event and feed  </a:t>
-            </a:r>
-            <a:endParaRPr lang="en-US" altLang="en-US" sz="1540" dirty="0">
-              <a:solidFill>
-                <a:srgbClr val="262626"/>
-              </a:solidFill>
-            </a:endParaRPr>
-          </a:p>
-          <a:p>
-            <a:pPr marL="228600" lvl="0" indent="-228600" defTabSz="342900">
-              <a:lnSpc>
-                <a:spcPct val="120000"/>
-              </a:lnSpc>
-              <a:buFont typeface="Arial" panose="020B0604020202020204" pitchFamily="34" charset="0"/>
-              <a:buChar char="•"/>
-            </a:pPr>
-            <a:r>
-              <a:rPr lang="en-US" altLang="en-US" sz="1540" dirty="0">
-                <a:solidFill>
-                  <a:srgbClr val="262626"/>
-                </a:solidFill>
-              </a:rPr>
-              <a:t>https://github.com/orbitdb/orbit-core</a:t>
-            </a:r>
-            <a:endParaRPr lang="en-US" altLang="en-US" sz="1540" dirty="0">
-              <a:solidFill>
-                <a:srgbClr val="262626"/>
-              </a:solidFill>
-            </a:endParaRPr>
-          </a:p>
-          <a:p>
-            <a:pPr marL="228600" lvl="0" indent="-228600" defTabSz="342900">
-              <a:lnSpc>
-                <a:spcPct val="120000"/>
-              </a:lnSpc>
-              <a:buFont typeface="Arial" panose="020B0604020202020204" pitchFamily="34" charset="0"/>
-              <a:buChar char="•"/>
-            </a:pPr>
-            <a:endParaRPr lang="en-US" altLang="en-US" sz="1540" dirty="0">
-              <a:solidFill>
-                <a:srgbClr val="262626"/>
-              </a:solidFill>
-            </a:endParaRPr>
-          </a:p>
-          <a:p>
-            <a:pPr marL="228600" lvl="0" indent="-228600" defTabSz="342900">
-              <a:lnSpc>
-                <a:spcPct val="120000"/>
-              </a:lnSpc>
-              <a:buFont typeface="Arial" panose="020B0604020202020204" pitchFamily="34" charset="0"/>
-              <a:buChar char="•"/>
-            </a:pPr>
-            <a:endParaRPr lang="en-US" altLang="en-US" sz="1540" dirty="0">
-              <a:solidFill>
-                <a:srgbClr val="262626"/>
-              </a:solidFill>
-            </a:endParaRPr>
-          </a:p>
-          <a:p>
-            <a:pPr marL="228600" lvl="0" indent="-228600" defTabSz="342900">
-              <a:lnSpc>
-                <a:spcPct val="120000"/>
-              </a:lnSpc>
-              <a:buFont typeface="Arial" panose="020B0604020202020204" pitchFamily="34" charset="0"/>
-              <a:buChar char="•"/>
-            </a:pPr>
-            <a:endParaRPr lang="en-US" altLang="en-US" sz="1540" dirty="0">
-              <a:solidFill>
-                <a:srgbClr val="262626"/>
-              </a:solidFill>
-            </a:endParaRPr>
-          </a:p>
-          <a:p>
-            <a:pPr marL="0" lvl="0" indent="0" defTabSz="342900">
-              <a:lnSpc>
-                <a:spcPct val="120000"/>
-              </a:lnSpc>
-              <a:buFont typeface="Arial" panose="020B0604020202020204" pitchFamily="34" charset="0"/>
-              <a:buNone/>
-            </a:pPr>
-            <a:endParaRPr lang="en-US" altLang="en-US" sz="1540" dirty="0">
-              <a:solidFill>
-                <a:srgbClr val="262626"/>
-              </a:solidFill>
-            </a:endParaRPr>
-          </a:p>
-        </p:txBody>
-      </p:sp>
-      <p:pic>
-        <p:nvPicPr>
-          <p:cNvPr id="4" name="图片 3"/>
-          <p:cNvPicPr>
-            <a:picLocks noChangeAspect="1"/>
-          </p:cNvPicPr>
-          <p:nvPr/>
-        </p:nvPicPr>
-        <p:blipFill>
-          <a:blip r:embed="rId1"/>
-          <a:stretch>
-            <a:fillRect/>
-          </a:stretch>
-        </p:blipFill>
-        <p:spPr>
-          <a:xfrm>
-            <a:off x="1623060" y="1976755"/>
-            <a:ext cx="5742940" cy="4881245"/>
-          </a:xfrm>
-          <a:prstGeom prst="rect">
-            <a:avLst/>
-          </a:prstGeom>
-        </p:spPr>
-      </p:pic>
-    </p:spTree>
-  </p:cSld>
-  <p:clrMapOvr>
-    <a:masterClrMapping/>
-  </p:clrMapOvr>
-</p:sld>
-</file>
-
-<file path=ppt/slides/slide19.xml><?xml version="1.0" encoding="utf-8"?>
-<p:sld xmlns:a="http://schemas.openxmlformats.org/drawingml/2006/main" xmlns:r="http://schemas.openxmlformats.org/officeDocument/2006/relationships" xmlns:p="http://schemas.openxmlformats.org/presentationml/2006/main">
-  <p:cSld>
-    <p:spTree>
-      <p:nvGrpSpPr>
-        <p:cNvPr id="1" name=""/>
-        <p:cNvGrpSpPr/>
-        <p:nvPr/>
-      </p:nvGrpSpPr>
-      <p:grpSpPr>
-        <a:xfrm>
-          <a:off x="0" y="0"/>
-          <a:ext cx="0" cy="0"/>
-          <a:chOff x="0" y="0"/>
-          <a:chExt cx="0" cy="0"/>
-        </a:xfrm>
-      </p:grpSpPr>
-      <p:sp>
-        <p:nvSpPr>
-          <p:cNvPr id="2" name="Title 1"/>
-          <p:cNvSpPr>
-            <a:spLocks noGrp="1"/>
-          </p:cNvSpPr>
-          <p:nvPr>
-            <p:ph type="title"/>
-          </p:nvPr>
-        </p:nvSpPr>
-        <p:spPr>
-          <a:xfrm>
-            <a:off x="628650" y="155263"/>
-            <a:ext cx="7886700" cy="526790"/>
-          </a:xfrm>
-        </p:spPr>
-        <p:txBody>
-          <a:bodyPr>
-            <a:normAutofit fontScale="90000"/>
-          </a:bodyPr>
-          <a:lstStyle/>
-          <a:p>
-            <a:pPr algn="ctr"/>
-            <a:r>
-              <a:rPr lang="en-US" sz="3200" b="1" dirty="0">
-                <a:latin typeface="Calibri" panose="020F0502020204030204" pitchFamily="34" charset="0"/>
-                <a:cs typeface="Calibri" panose="020F0502020204030204" pitchFamily="34" charset="0"/>
-              </a:rPr>
-              <a:t>Cases</a:t>
-            </a:r>
-            <a:endParaRPr lang="en-US" sz="3200" b="1" dirty="0">
-              <a:latin typeface="Calibri" panose="020F0502020204030204" pitchFamily="34" charset="0"/>
-              <a:cs typeface="Calibri" panose="020F0502020204030204" pitchFamily="34" charset="0"/>
-            </a:endParaRPr>
-          </a:p>
-        </p:txBody>
-      </p:sp>
-      <p:sp>
-        <p:nvSpPr>
-          <p:cNvPr id="3" name="Content Placeholder 2"/>
-          <p:cNvSpPr>
-            <a:spLocks noGrp="1"/>
-          </p:cNvSpPr>
-          <p:nvPr>
-            <p:ph idx="1"/>
-          </p:nvPr>
-        </p:nvSpPr>
-        <p:spPr>
-          <a:xfrm>
-            <a:off x="628650" y="989044"/>
-            <a:ext cx="7886700" cy="5605719"/>
-          </a:xfrm>
-        </p:spPr>
-        <p:txBody>
-          <a:bodyPr>
-            <a:normAutofit lnSpcReduction="10000"/>
-          </a:bodyPr>
-          <a:lstStyle/>
-          <a:p>
-            <a:pPr marL="228600" lvl="0" indent="-228600" defTabSz="342900">
-              <a:lnSpc>
-                <a:spcPct val="120000"/>
-              </a:lnSpc>
-              <a:buFont typeface="Arial" panose="020B0604020202020204" pitchFamily="34" charset="0"/>
-              <a:buChar char="•"/>
-            </a:pPr>
-            <a:r>
-              <a:rPr lang="en-US" altLang="en-US" sz="1540" dirty="0">
-                <a:solidFill>
-                  <a:srgbClr val="262626"/>
-                </a:solidFill>
-              </a:rPr>
-              <a:t>Chat / Social Media</a:t>
+              <a:t>Chatting / Social Media</a:t>
             </a:r>
             <a:endParaRPr lang="en-US" altLang="en-US" sz="1540" dirty="0">
               <a:solidFill>
@@ -9851,228 +9549,7 @@
 </p:sld>
 </file>
 
-<file path=ppt/slides/slide2.xml><?xml version="1.0" encoding="utf-8"?>
-<p:sld xmlns:a="http://schemas.openxmlformats.org/drawingml/2006/main" xmlns:r="http://schemas.openxmlformats.org/officeDocument/2006/relationships" xmlns:p="http://schemas.openxmlformats.org/presentationml/2006/main">
-  <p:cSld>
-    <p:spTree>
-      <p:nvGrpSpPr>
-        <p:cNvPr id="1" name=""/>
-        <p:cNvGrpSpPr/>
-        <p:nvPr/>
-      </p:nvGrpSpPr>
-      <p:grpSpPr>
-        <a:xfrm>
-          <a:off x="0" y="0"/>
-          <a:ext cx="0" cy="0"/>
-          <a:chOff x="0" y="0"/>
-          <a:chExt cx="0" cy="0"/>
-        </a:xfrm>
-      </p:grpSpPr>
-      <p:sp>
-        <p:nvSpPr>
-          <p:cNvPr id="21505" name="Title 1"/>
-          <p:cNvSpPr>
-            <a:spLocks noGrp="1"/>
-          </p:cNvSpPr>
-          <p:nvPr>
-            <p:ph type="title"/>
-          </p:nvPr>
-        </p:nvSpPr>
-        <p:spPr>
-          <a:xfrm>
-            <a:off x="233363" y="308848"/>
-            <a:ext cx="8227219" cy="327422"/>
-          </a:xfrm>
-        </p:spPr>
-        <p:txBody>
-          <a:bodyPr vert="horz" lIns="0" tIns="0" rIns="0" bIns="0" rtlCol="0" anchor="ctr">
-            <a:normAutofit fontScale="90000"/>
-          </a:bodyPr>
-          <a:lstStyle/>
-          <a:p>
-            <a:pPr algn="ctr"/>
-            <a:r>
-              <a:rPr lang="en-US" altLang="zh-CN" sz="3200" b="1" dirty="0">
-                <a:latin typeface="Calibri" panose="020F0502020204030204" pitchFamily="34" charset="0"/>
-                <a:cs typeface="Calibri" panose="020F0502020204030204" pitchFamily="34" charset="0"/>
-              </a:rPr>
-              <a:t>Outline</a:t>
-            </a:r>
-            <a:endParaRPr lang="en-GB" altLang="zh-CN" sz="3200" b="1" dirty="0">
-              <a:latin typeface="Calibri" panose="020F0502020204030204" pitchFamily="34" charset="0"/>
-              <a:cs typeface="Calibri" panose="020F0502020204030204" pitchFamily="34" charset="0"/>
-            </a:endParaRPr>
-          </a:p>
-        </p:txBody>
-      </p:sp>
-      <p:sp>
-        <p:nvSpPr>
-          <p:cNvPr id="21506" name="文本框 6"/>
-          <p:cNvSpPr txBox="1"/>
-          <p:nvPr/>
-        </p:nvSpPr>
-        <p:spPr>
-          <a:xfrm>
-            <a:off x="246455" y="859156"/>
-            <a:ext cx="8651359" cy="5486400"/>
-          </a:xfrm>
-          <a:prstGeom prst="rect">
-            <a:avLst/>
-          </a:prstGeom>
-          <a:noFill/>
-          <a:ln w="9525">
-            <a:noFill/>
-          </a:ln>
-        </p:spPr>
-        <p:txBody>
-          <a:bodyPr wrap="square" lIns="0" tIns="0" rIns="0" bIns="0" anchor="t"/>
-          <a:lstStyle/>
-          <a:p>
-            <a:pPr marL="171450" lvl="0" indent="-171450" fontAlgn="auto">
-              <a:lnSpc>
-                <a:spcPct val="200000"/>
-              </a:lnSpc>
-              <a:spcBef>
-                <a:spcPts val="700"/>
-              </a:spcBef>
-              <a:buFont typeface="Arial" panose="020B0604020202020204" pitchFamily="34" charset="0"/>
-              <a:buChar char="•"/>
-            </a:pPr>
-            <a:r>
-              <a:rPr lang="en-US" dirty="0">
-                <a:latin typeface="Calibri" panose="020F0502020204030204" pitchFamily="34" charset="0"/>
-                <a:cs typeface="Calibri" panose="020F0502020204030204" pitchFamily="34" charset="0"/>
-                <a:sym typeface="+mn-ea"/>
-              </a:rPr>
-              <a:t>DataBase Design</a:t>
-            </a:r>
-            <a:endParaRPr lang="en-US" dirty="0">
-              <a:latin typeface="Calibri" panose="020F0502020204030204" pitchFamily="34" charset="0"/>
-              <a:cs typeface="Calibri" panose="020F0502020204030204" pitchFamily="34" charset="0"/>
-            </a:endParaRPr>
-          </a:p>
-          <a:p>
-            <a:pPr marL="171450" lvl="0" indent="-171450" fontAlgn="auto">
-              <a:lnSpc>
-                <a:spcPct val="200000"/>
-              </a:lnSpc>
-              <a:spcBef>
-                <a:spcPts val="700"/>
-              </a:spcBef>
-              <a:buFont typeface="Arial" panose="020B0604020202020204" pitchFamily="34" charset="0"/>
-              <a:buChar char="•"/>
-            </a:pPr>
-            <a:endParaRPr lang="en-US" dirty="0"/>
-          </a:p>
-        </p:txBody>
-      </p:sp>
-      <p:sp>
-        <p:nvSpPr>
-          <p:cNvPr id="6" name="TextBox 6"/>
-          <p:cNvSpPr txBox="1"/>
-          <p:nvPr/>
-        </p:nvSpPr>
-        <p:spPr>
-          <a:xfrm>
-            <a:off x="25183" y="6636420"/>
-            <a:ext cx="3270445" cy="184664"/>
-          </a:xfrm>
-          <a:prstGeom prst="rect">
-            <a:avLst/>
-          </a:prstGeom>
-          <a:ln w="12700">
-            <a:miter lim="400000"/>
-          </a:ln>
-        </p:spPr>
-        <p:txBody>
-          <a:bodyPr wrap="none" lIns="34289" tIns="34289" rIns="34289" bIns="34289">
-            <a:spAutoFit/>
-          </a:bodyPr>
-          <a:lstStyle>
-            <a:lvl1pPr defTabSz="914400">
-              <a:defRPr sz="1000">
-                <a:solidFill>
-                  <a:srgbClr val="FFFFFF"/>
-                </a:solidFill>
-                <a:latin typeface="Montserrat"/>
-                <a:ea typeface="Montserrat"/>
-                <a:cs typeface="Montserrat"/>
-                <a:sym typeface="Montserrat"/>
-              </a:defRPr>
-            </a:lvl1pPr>
-          </a:lstStyle>
-          <a:p>
-            <a:r>
-              <a:rPr lang="en-US" sz="750" dirty="0">
-                <a:solidFill>
-                  <a:schemeClr val="tx1"/>
-                </a:solidFill>
-                <a:latin typeface="Montserrat" panose="00000500000000000000" pitchFamily="2" charset="0"/>
-              </a:rPr>
-              <a:t>© 2017-2020    SmartMesh Foundation Pte. Ltd.  |  MeshBox Foundation Pte. Ltd.</a:t>
-            </a:r>
-            <a:endParaRPr lang="en-US" sz="750" dirty="0">
-              <a:solidFill>
-                <a:schemeClr val="tx1"/>
-              </a:solidFill>
-              <a:latin typeface="Montserrat" panose="00000500000000000000" pitchFamily="2" charset="0"/>
-              <a:sym typeface="Arial" panose="020B0604020202020204"/>
-            </a:endParaRPr>
-          </a:p>
-        </p:txBody>
-      </p:sp>
-      <p:sp>
-        <p:nvSpPr>
-          <p:cNvPr id="7" name="TextBox 6"/>
-          <p:cNvSpPr txBox="1">
-            <a:spLocks noChangeArrowheads="1"/>
-          </p:cNvSpPr>
-          <p:nvPr/>
-        </p:nvSpPr>
-        <p:spPr bwMode="auto">
-          <a:xfrm>
-            <a:off x="7872314" y="6569155"/>
-            <a:ext cx="1289447" cy="253916"/>
-          </a:xfrm>
-          <a:prstGeom prst="rect">
-            <a:avLst/>
-          </a:prstGeom>
-          <a:noFill/>
-          <a:ln w="9525">
-            <a:noFill/>
-            <a:miter lim="800000"/>
-          </a:ln>
-        </p:spPr>
-        <p:txBody>
-          <a:bodyPr>
-            <a:spAutoFit/>
-          </a:bodyPr>
-          <a:lstStyle/>
-          <a:p>
-            <a:pPr algn="r"/>
-            <a:fld id="{6F888031-CE6A-4173-BB2B-520974F34056}" type="slidenum">
-              <a:rPr lang="en-GB" sz="1050">
-                <a:latin typeface="Calibri" panose="020F0502020204030204" pitchFamily="34" charset="0"/>
-              </a:rPr>
-            </a:fld>
-            <a:endParaRPr lang="en-GB" sz="1050" dirty="0">
-              <a:latin typeface="Calibri" panose="020F0502020204030204" pitchFamily="34" charset="0"/>
-            </a:endParaRPr>
-          </a:p>
-        </p:txBody>
-      </p:sp>
-    </p:spTree>
-  </p:cSld>
-  <p:clrMapOvr>
-    <a:masterClrMapping/>
-  </p:clrMapOvr>
-  <p:transition spd="med">
-    <p:fade/>
-  </p:transition>
-</p:sld>
-</file>
-
-<file path=ppt/slides/slide20.xml><?xml version="1.0" encoding="utf-8"?>
+<file path=ppt/slides/slide19.xml><?xml version="1.0" encoding="utf-8"?>
 <p:sld xmlns:a="http://schemas.openxmlformats.org/drawingml/2006/main" xmlns:r="http://schemas.openxmlformats.org/officeDocument/2006/relationships" xmlns:p="http://schemas.openxmlformats.org/presentationml/2006/main">
   <p:cSld>
     <p:spTree>
@@ -10299,6 +9776,408 @@
 </p:sld>
 </file>
 
+<file path=ppt/slides/slide2.xml><?xml version="1.0" encoding="utf-8"?>
+<p:sld xmlns:a="http://schemas.openxmlformats.org/drawingml/2006/main" xmlns:r="http://schemas.openxmlformats.org/officeDocument/2006/relationships" xmlns:p="http://schemas.openxmlformats.org/presentationml/2006/main">
+  <p:cSld>
+    <p:spTree>
+      <p:nvGrpSpPr>
+        <p:cNvPr id="1" name=""/>
+        <p:cNvGrpSpPr/>
+        <p:nvPr/>
+      </p:nvGrpSpPr>
+      <p:grpSpPr>
+        <a:xfrm>
+          <a:off x="0" y="0"/>
+          <a:ext cx="0" cy="0"/>
+          <a:chOff x="0" y="0"/>
+          <a:chExt cx="0" cy="0"/>
+        </a:xfrm>
+      </p:grpSpPr>
+      <p:sp>
+        <p:nvSpPr>
+          <p:cNvPr id="21505" name="Title 1"/>
+          <p:cNvSpPr>
+            <a:spLocks noGrp="1"/>
+          </p:cNvSpPr>
+          <p:nvPr>
+            <p:ph type="title"/>
+          </p:nvPr>
+        </p:nvSpPr>
+        <p:spPr>
+          <a:xfrm>
+            <a:off x="233363" y="308848"/>
+            <a:ext cx="8227219" cy="327422"/>
+          </a:xfrm>
+        </p:spPr>
+        <p:txBody>
+          <a:bodyPr vert="horz" lIns="0" tIns="0" rIns="0" bIns="0" rtlCol="0" anchor="ctr">
+            <a:normAutofit fontScale="90000"/>
+          </a:bodyPr>
+          <a:lstStyle/>
+          <a:p>
+            <a:pPr algn="ctr"/>
+            <a:r>
+              <a:rPr lang="en-US" altLang="zh-CN" sz="3200" b="1" dirty="0">
+                <a:latin typeface="Calibri" panose="020F0502020204030204" pitchFamily="34" charset="0"/>
+                <a:cs typeface="Calibri" panose="020F0502020204030204" pitchFamily="34" charset="0"/>
+              </a:rPr>
+              <a:t>Outline</a:t>
+            </a:r>
+            <a:endParaRPr lang="en-GB" altLang="zh-CN" sz="3200" b="1" dirty="0">
+              <a:latin typeface="Calibri" panose="020F0502020204030204" pitchFamily="34" charset="0"/>
+              <a:cs typeface="Calibri" panose="020F0502020204030204" pitchFamily="34" charset="0"/>
+            </a:endParaRPr>
+          </a:p>
+        </p:txBody>
+      </p:sp>
+      <p:sp>
+        <p:nvSpPr>
+          <p:cNvPr id="21506" name="文本框 6"/>
+          <p:cNvSpPr txBox="1"/>
+          <p:nvPr/>
+        </p:nvSpPr>
+        <p:spPr>
+          <a:xfrm>
+            <a:off x="246455" y="859156"/>
+            <a:ext cx="8651359" cy="5486400"/>
+          </a:xfrm>
+          <a:prstGeom prst="rect">
+            <a:avLst/>
+          </a:prstGeom>
+          <a:noFill/>
+          <a:ln w="9525">
+            <a:noFill/>
+          </a:ln>
+        </p:spPr>
+        <p:txBody>
+          <a:bodyPr wrap="square" lIns="0" tIns="0" rIns="0" bIns="0" anchor="t"/>
+          <a:lstStyle/>
+          <a:p>
+            <a:pPr marL="171450" lvl="0" indent="-171450" fontAlgn="auto">
+              <a:lnSpc>
+                <a:spcPct val="200000"/>
+              </a:lnSpc>
+              <a:spcBef>
+                <a:spcPts val="700"/>
+              </a:spcBef>
+              <a:buFont typeface="Arial" panose="020B0604020202020204" pitchFamily="34" charset="0"/>
+              <a:buChar char="•"/>
+            </a:pPr>
+            <a:r>
+              <a:rPr lang="en-US" dirty="0">
+                <a:latin typeface="Calibri" panose="020F0502020204030204" pitchFamily="34" charset="0"/>
+                <a:cs typeface="Calibri" panose="020F0502020204030204" pitchFamily="34" charset="0"/>
+                <a:sym typeface="+mn-ea"/>
+              </a:rPr>
+              <a:t>DataBase Design</a:t>
+            </a:r>
+            <a:endParaRPr lang="en-US" dirty="0">
+              <a:latin typeface="Calibri" panose="020F0502020204030204" pitchFamily="34" charset="0"/>
+              <a:cs typeface="Calibri" panose="020F0502020204030204" pitchFamily="34" charset="0"/>
+            </a:endParaRPr>
+          </a:p>
+          <a:p>
+            <a:pPr marL="171450" lvl="0" indent="-171450" fontAlgn="auto">
+              <a:lnSpc>
+                <a:spcPct val="200000"/>
+              </a:lnSpc>
+              <a:spcBef>
+                <a:spcPts val="700"/>
+              </a:spcBef>
+              <a:buFont typeface="Arial" panose="020B0604020202020204" pitchFamily="34" charset="0"/>
+              <a:buChar char="•"/>
+            </a:pPr>
+            <a:endParaRPr lang="en-US" dirty="0"/>
+          </a:p>
+        </p:txBody>
+      </p:sp>
+      <p:sp>
+        <p:nvSpPr>
+          <p:cNvPr id="6" name="TextBox 6"/>
+          <p:cNvSpPr txBox="1"/>
+          <p:nvPr/>
+        </p:nvSpPr>
+        <p:spPr>
+          <a:xfrm>
+            <a:off x="25183" y="6636420"/>
+            <a:ext cx="3270445" cy="184664"/>
+          </a:xfrm>
+          <a:prstGeom prst="rect">
+            <a:avLst/>
+          </a:prstGeom>
+          <a:ln w="12700">
+            <a:miter lim="400000"/>
+          </a:ln>
+        </p:spPr>
+        <p:txBody>
+          <a:bodyPr wrap="none" lIns="34289" tIns="34289" rIns="34289" bIns="34289">
+            <a:spAutoFit/>
+          </a:bodyPr>
+          <a:lstStyle>
+            <a:lvl1pPr defTabSz="914400">
+              <a:defRPr sz="1000">
+                <a:solidFill>
+                  <a:srgbClr val="FFFFFF"/>
+                </a:solidFill>
+                <a:latin typeface="Montserrat"/>
+                <a:ea typeface="Montserrat"/>
+                <a:cs typeface="Montserrat"/>
+                <a:sym typeface="Montserrat"/>
+              </a:defRPr>
+            </a:lvl1pPr>
+          </a:lstStyle>
+          <a:p>
+            <a:r>
+              <a:rPr lang="en-US" sz="750" dirty="0">
+                <a:solidFill>
+                  <a:schemeClr val="tx1"/>
+                </a:solidFill>
+                <a:latin typeface="Montserrat" panose="00000500000000000000" pitchFamily="2" charset="0"/>
+              </a:rPr>
+              <a:t>© 2017-2020    SmartMesh Foundation Pte. Ltd.  |  MeshBox Foundation Pte. Ltd.</a:t>
+            </a:r>
+            <a:endParaRPr lang="en-US" sz="750" dirty="0">
+              <a:solidFill>
+                <a:schemeClr val="tx1"/>
+              </a:solidFill>
+              <a:latin typeface="Montserrat" panose="00000500000000000000" pitchFamily="2" charset="0"/>
+              <a:sym typeface="Arial" panose="020B0604020202020204"/>
+            </a:endParaRPr>
+          </a:p>
+        </p:txBody>
+      </p:sp>
+      <p:sp>
+        <p:nvSpPr>
+          <p:cNvPr id="7" name="TextBox 6"/>
+          <p:cNvSpPr txBox="1">
+            <a:spLocks noChangeArrowheads="1"/>
+          </p:cNvSpPr>
+          <p:nvPr/>
+        </p:nvSpPr>
+        <p:spPr bwMode="auto">
+          <a:xfrm>
+            <a:off x="7872314" y="6569155"/>
+            <a:ext cx="1289447" cy="253916"/>
+          </a:xfrm>
+          <a:prstGeom prst="rect">
+            <a:avLst/>
+          </a:prstGeom>
+          <a:noFill/>
+          <a:ln w="9525">
+            <a:noFill/>
+            <a:miter lim="800000"/>
+          </a:ln>
+        </p:spPr>
+        <p:txBody>
+          <a:bodyPr>
+            <a:spAutoFit/>
+          </a:bodyPr>
+          <a:lstStyle/>
+          <a:p>
+            <a:pPr algn="r"/>
+            <a:fld id="{6F888031-CE6A-4173-BB2B-520974F34056}" type="slidenum">
+              <a:rPr lang="en-GB" sz="1050">
+                <a:latin typeface="Calibri" panose="020F0502020204030204" pitchFamily="34" charset="0"/>
+              </a:rPr>
+            </a:fld>
+            <a:endParaRPr lang="en-GB" sz="1050" dirty="0">
+              <a:latin typeface="Calibri" panose="020F0502020204030204" pitchFamily="34" charset="0"/>
+            </a:endParaRPr>
+          </a:p>
+        </p:txBody>
+      </p:sp>
+    </p:spTree>
+  </p:cSld>
+  <p:clrMapOvr>
+    <a:masterClrMapping/>
+  </p:clrMapOvr>
+  <p:transition spd="med">
+    <p:fade/>
+  </p:transition>
+</p:sld>
+</file>
+
+<file path=ppt/slides/slide20.xml><?xml version="1.0" encoding="utf-8"?>
+<p:sld xmlns:a="http://schemas.openxmlformats.org/drawingml/2006/main" xmlns:r="http://schemas.openxmlformats.org/officeDocument/2006/relationships" xmlns:p="http://schemas.openxmlformats.org/presentationml/2006/main">
+  <p:cSld>
+    <p:spTree>
+      <p:nvGrpSpPr>
+        <p:cNvPr id="1" name=""/>
+        <p:cNvGrpSpPr/>
+        <p:nvPr/>
+      </p:nvGrpSpPr>
+      <p:grpSpPr>
+        <a:xfrm>
+          <a:off x="0" y="0"/>
+          <a:ext cx="0" cy="0"/>
+          <a:chOff x="0" y="0"/>
+          <a:chExt cx="0" cy="0"/>
+        </a:xfrm>
+      </p:grpSpPr>
+      <p:sp>
+        <p:nvSpPr>
+          <p:cNvPr id="2" name="Title 1"/>
+          <p:cNvSpPr>
+            <a:spLocks noGrp="1"/>
+          </p:cNvSpPr>
+          <p:nvPr>
+            <p:ph type="title"/>
+          </p:nvPr>
+        </p:nvSpPr>
+        <p:spPr>
+          <a:xfrm>
+            <a:off x="628650" y="155263"/>
+            <a:ext cx="7886700" cy="526790"/>
+          </a:xfrm>
+        </p:spPr>
+        <p:txBody>
+          <a:bodyPr>
+            <a:normAutofit fontScale="90000"/>
+          </a:bodyPr>
+          <a:lstStyle/>
+          <a:p>
+            <a:pPr algn="ctr"/>
+            <a:r>
+              <a:rPr lang="en-US" sz="3200" b="1" dirty="0">
+                <a:latin typeface="Calibri" panose="020F0502020204030204" pitchFamily="34" charset="0"/>
+                <a:cs typeface="Calibri" panose="020F0502020204030204" pitchFamily="34" charset="0"/>
+              </a:rPr>
+              <a:t>Cases</a:t>
+            </a:r>
+            <a:endParaRPr lang="en-US" sz="3200" b="1" dirty="0">
+              <a:latin typeface="Calibri" panose="020F0502020204030204" pitchFamily="34" charset="0"/>
+              <a:cs typeface="Calibri" panose="020F0502020204030204" pitchFamily="34" charset="0"/>
+            </a:endParaRPr>
+          </a:p>
+        </p:txBody>
+      </p:sp>
+      <p:sp>
+        <p:nvSpPr>
+          <p:cNvPr id="3" name="Content Placeholder 2"/>
+          <p:cNvSpPr>
+            <a:spLocks noGrp="1"/>
+          </p:cNvSpPr>
+          <p:nvPr>
+            <p:ph idx="1"/>
+          </p:nvPr>
+        </p:nvSpPr>
+        <p:spPr>
+          <a:xfrm>
+            <a:off x="628650" y="989044"/>
+            <a:ext cx="7886700" cy="5605719"/>
+          </a:xfrm>
+        </p:spPr>
+        <p:txBody>
+          <a:bodyPr>
+            <a:normAutofit lnSpcReduction="10000"/>
+          </a:bodyPr>
+          <a:lstStyle/>
+          <a:p>
+            <a:pPr marL="228600" lvl="0" indent="-228600" defTabSz="342900">
+              <a:lnSpc>
+                <a:spcPct val="120000"/>
+              </a:lnSpc>
+              <a:buFont typeface="Arial" panose="020B0604020202020204" pitchFamily="34" charset="0"/>
+              <a:buChar char="•"/>
+            </a:pPr>
+            <a:r>
+              <a:rPr lang="en-US" altLang="en-US" sz="1540" dirty="0">
+                <a:solidFill>
+                  <a:srgbClr val="262626"/>
+                </a:solidFill>
+              </a:rPr>
+              <a:t>Orbit Chat (Orbit Core)</a:t>
+            </a:r>
+            <a:endParaRPr lang="en-US" altLang="en-US" sz="1540" dirty="0">
+              <a:solidFill>
+                <a:srgbClr val="262626"/>
+              </a:solidFill>
+            </a:endParaRPr>
+          </a:p>
+          <a:p>
+            <a:pPr marL="228600" lvl="0" indent="-228600" defTabSz="342900">
+              <a:lnSpc>
+                <a:spcPct val="120000"/>
+              </a:lnSpc>
+              <a:buFont typeface="Arial" panose="020B0604020202020204" pitchFamily="34" charset="0"/>
+              <a:buChar char="•"/>
+            </a:pPr>
+            <a:r>
+              <a:rPr lang="en-US" altLang="en-US" sz="1540" dirty="0">
+                <a:solidFill>
+                  <a:srgbClr val="262626"/>
+                </a:solidFill>
+              </a:rPr>
+              <a:t>https://github.com/orbitdb/orbit-web/blob/d1079653976495e5ae749f1410e11e6af980a6ec/src/workers/network.worker.js</a:t>
+            </a:r>
+            <a:endParaRPr lang="en-US" altLang="en-US" sz="1540" dirty="0">
+              <a:solidFill>
+                <a:srgbClr val="262626"/>
+              </a:solidFill>
+            </a:endParaRPr>
+          </a:p>
+          <a:p>
+            <a:pPr marL="228600" lvl="0" indent="-228600" defTabSz="342900">
+              <a:lnSpc>
+                <a:spcPct val="120000"/>
+              </a:lnSpc>
+              <a:buFont typeface="Arial" panose="020B0604020202020204" pitchFamily="34" charset="0"/>
+              <a:buChar char="•"/>
+            </a:pPr>
+            <a:endParaRPr lang="en-US" altLang="en-US" sz="1540" dirty="0">
+              <a:solidFill>
+                <a:srgbClr val="262626"/>
+              </a:solidFill>
+            </a:endParaRPr>
+          </a:p>
+          <a:p>
+            <a:pPr marL="228600" lvl="0" indent="-228600" defTabSz="342900">
+              <a:lnSpc>
+                <a:spcPct val="120000"/>
+              </a:lnSpc>
+              <a:buFont typeface="Arial" panose="020B0604020202020204" pitchFamily="34" charset="0"/>
+              <a:buChar char="•"/>
+            </a:pPr>
+            <a:endParaRPr lang="en-US" altLang="en-US" sz="1540" dirty="0">
+              <a:solidFill>
+                <a:srgbClr val="262626"/>
+              </a:solidFill>
+            </a:endParaRPr>
+          </a:p>
+        </p:txBody>
+      </p:sp>
+      <p:pic>
+        <p:nvPicPr>
+          <p:cNvPr id="4" name="图片 3"/>
+          <p:cNvPicPr>
+            <a:picLocks noChangeAspect="1"/>
+          </p:cNvPicPr>
+          <p:nvPr/>
+        </p:nvPicPr>
+        <p:blipFill>
+          <a:blip r:embed="rId1"/>
+          <a:stretch>
+            <a:fillRect/>
+          </a:stretch>
+        </p:blipFill>
+        <p:spPr>
+          <a:xfrm>
+            <a:off x="628650" y="2334895"/>
+            <a:ext cx="5962650" cy="2914650"/>
+          </a:xfrm>
+          <a:prstGeom prst="rect">
+            <a:avLst/>
+          </a:prstGeom>
+        </p:spPr>
+      </p:pic>
+    </p:spTree>
+  </p:cSld>
+  <p:clrMapOvr>
+    <a:masterClrMapping/>
+  </p:clrMapOvr>
+</p:sld>
+</file>
+
 <file path=ppt/slides/slide21.xml><?xml version="1.0" encoding="utf-8"?>
 <p:sld xmlns:a="http://schemas.openxmlformats.org/drawingml/2006/main" xmlns:r="http://schemas.openxmlformats.org/officeDocument/2006/relationships" xmlns:p="http://schemas.openxmlformats.org/presentationml/2006/main">
   <p:cSld>
@@ -10388,187 +10267,6 @@
                   <a:srgbClr val="262626"/>
                 </a:solidFill>
               </a:rPr>
-              <a:t>Orbit Chat (Orbit Core)</a:t>
-            </a:r>
-            <a:endParaRPr lang="en-US" altLang="en-US" sz="1540" dirty="0">
-              <a:solidFill>
-                <a:srgbClr val="262626"/>
-              </a:solidFill>
-            </a:endParaRPr>
-          </a:p>
-          <a:p>
-            <a:pPr marL="228600" lvl="0" indent="-228600" defTabSz="342900">
-              <a:lnSpc>
-                <a:spcPct val="120000"/>
-              </a:lnSpc>
-              <a:buFont typeface="Arial" panose="020B0604020202020204" pitchFamily="34" charset="0"/>
-              <a:buChar char="•"/>
-            </a:pPr>
-            <a:r>
-              <a:rPr lang="en-US" altLang="en-US" sz="1540" dirty="0">
-                <a:solidFill>
-                  <a:srgbClr val="262626"/>
-                </a:solidFill>
-              </a:rPr>
-              <a:t>https://github.com/orbitdb/orbit-web/blob/d1079653976495e5ae749f1410e11e6af980a6ec/src/workers/network.worker.js</a:t>
-            </a:r>
-            <a:endParaRPr lang="en-US" altLang="en-US" sz="1540" dirty="0">
-              <a:solidFill>
-                <a:srgbClr val="262626"/>
-              </a:solidFill>
-            </a:endParaRPr>
-          </a:p>
-          <a:p>
-            <a:pPr marL="228600" lvl="0" indent="-228600" defTabSz="342900">
-              <a:lnSpc>
-                <a:spcPct val="120000"/>
-              </a:lnSpc>
-              <a:buFont typeface="Arial" panose="020B0604020202020204" pitchFamily="34" charset="0"/>
-              <a:buChar char="•"/>
-            </a:pPr>
-            <a:endParaRPr lang="en-US" altLang="en-US" sz="1540" dirty="0">
-              <a:solidFill>
-                <a:srgbClr val="262626"/>
-              </a:solidFill>
-            </a:endParaRPr>
-          </a:p>
-          <a:p>
-            <a:pPr marL="228600" lvl="0" indent="-228600" defTabSz="342900">
-              <a:lnSpc>
-                <a:spcPct val="120000"/>
-              </a:lnSpc>
-              <a:buFont typeface="Arial" panose="020B0604020202020204" pitchFamily="34" charset="0"/>
-              <a:buChar char="•"/>
-            </a:pPr>
-            <a:endParaRPr lang="en-US" altLang="en-US" sz="1540" dirty="0">
-              <a:solidFill>
-                <a:srgbClr val="262626"/>
-              </a:solidFill>
-            </a:endParaRPr>
-          </a:p>
-        </p:txBody>
-      </p:sp>
-      <p:pic>
-        <p:nvPicPr>
-          <p:cNvPr id="4" name="图片 3"/>
-          <p:cNvPicPr>
-            <a:picLocks noChangeAspect="1"/>
-          </p:cNvPicPr>
-          <p:nvPr/>
-        </p:nvPicPr>
-        <p:blipFill>
-          <a:blip r:embed="rId1"/>
-          <a:stretch>
-            <a:fillRect/>
-          </a:stretch>
-        </p:blipFill>
-        <p:spPr>
-          <a:xfrm>
-            <a:off x="628650" y="2334895"/>
-            <a:ext cx="5962650" cy="2914650"/>
-          </a:xfrm>
-          <a:prstGeom prst="rect">
-            <a:avLst/>
-          </a:prstGeom>
-        </p:spPr>
-      </p:pic>
-    </p:spTree>
-  </p:cSld>
-  <p:clrMapOvr>
-    <a:masterClrMapping/>
-  </p:clrMapOvr>
-</p:sld>
-</file>
-
-<file path=ppt/slides/slide22.xml><?xml version="1.0" encoding="utf-8"?>
-<p:sld xmlns:a="http://schemas.openxmlformats.org/drawingml/2006/main" xmlns:r="http://schemas.openxmlformats.org/officeDocument/2006/relationships" xmlns:p="http://schemas.openxmlformats.org/presentationml/2006/main">
-  <p:cSld>
-    <p:spTree>
-      <p:nvGrpSpPr>
-        <p:cNvPr id="1" name=""/>
-        <p:cNvGrpSpPr/>
-        <p:nvPr/>
-      </p:nvGrpSpPr>
-      <p:grpSpPr>
-        <a:xfrm>
-          <a:off x="0" y="0"/>
-          <a:ext cx="0" cy="0"/>
-          <a:chOff x="0" y="0"/>
-          <a:chExt cx="0" cy="0"/>
-        </a:xfrm>
-      </p:grpSpPr>
-      <p:sp>
-        <p:nvSpPr>
-          <p:cNvPr id="2" name="Title 1"/>
-          <p:cNvSpPr>
-            <a:spLocks noGrp="1"/>
-          </p:cNvSpPr>
-          <p:nvPr>
-            <p:ph type="title"/>
-          </p:nvPr>
-        </p:nvSpPr>
-        <p:spPr>
-          <a:xfrm>
-            <a:off x="628650" y="155263"/>
-            <a:ext cx="7886700" cy="526790"/>
-          </a:xfrm>
-        </p:spPr>
-        <p:txBody>
-          <a:bodyPr>
-            <a:normAutofit fontScale="90000"/>
-          </a:bodyPr>
-          <a:lstStyle/>
-          <a:p>
-            <a:pPr algn="ctr"/>
-            <a:r>
-              <a:rPr lang="en-US" sz="3200" b="1" dirty="0">
-                <a:latin typeface="Calibri" panose="020F0502020204030204" pitchFamily="34" charset="0"/>
-                <a:cs typeface="Calibri" panose="020F0502020204030204" pitchFamily="34" charset="0"/>
-              </a:rPr>
-              <a:t>Cases</a:t>
-            </a:r>
-            <a:endParaRPr lang="en-US" sz="3200" b="1" dirty="0">
-              <a:latin typeface="Calibri" panose="020F0502020204030204" pitchFamily="34" charset="0"/>
-              <a:cs typeface="Calibri" panose="020F0502020204030204" pitchFamily="34" charset="0"/>
-            </a:endParaRPr>
-          </a:p>
-        </p:txBody>
-      </p:sp>
-      <p:sp>
-        <p:nvSpPr>
-          <p:cNvPr id="3" name="Content Placeholder 2"/>
-          <p:cNvSpPr>
-            <a:spLocks noGrp="1"/>
-          </p:cNvSpPr>
-          <p:nvPr>
-            <p:ph idx="1"/>
-          </p:nvPr>
-        </p:nvSpPr>
-        <p:spPr>
-          <a:xfrm>
-            <a:off x="628650" y="989044"/>
-            <a:ext cx="7886700" cy="5605719"/>
-          </a:xfrm>
-        </p:spPr>
-        <p:txBody>
-          <a:bodyPr>
-            <a:normAutofit lnSpcReduction="10000"/>
-          </a:bodyPr>
-          <a:lstStyle/>
-          <a:p>
-            <a:pPr marL="228600" lvl="0" indent="-228600" defTabSz="342900">
-              <a:lnSpc>
-                <a:spcPct val="120000"/>
-              </a:lnSpc>
-              <a:buFont typeface="Arial" panose="020B0604020202020204" pitchFamily="34" charset="0"/>
-              <a:buChar char="•"/>
-            </a:pPr>
-            <a:r>
-              <a:rPr lang="en-US" altLang="en-US" sz="1540" dirty="0">
-                <a:solidFill>
-                  <a:srgbClr val="262626"/>
-                </a:solidFill>
-              </a:rPr>
               <a:t>ipfs-pubsub-chat (pubsub)</a:t>
             </a:r>
             <a:endParaRPr lang="en-US" altLang="en-US" sz="1540" dirty="0">
@@ -10661,7 +10359,7 @@
 </p:sld>
 </file>
 
-<file path=ppt/slides/slide23.xml><?xml version="1.0" encoding="utf-8"?>
+<file path=ppt/slides/slide22.xml><?xml version="1.0" encoding="utf-8"?>
 <p:sld xmlns:a="http://schemas.openxmlformats.org/drawingml/2006/main" xmlns:r="http://schemas.openxmlformats.org/officeDocument/2006/relationships" xmlns:p="http://schemas.openxmlformats.org/presentationml/2006/main">
   <p:cSld>
     <p:spTree>
@@ -10852,7 +10550,7 @@
 </p:sld>
 </file>
 
-<file path=ppt/slides/slide24.xml><?xml version="1.0" encoding="utf-8"?>
+<file path=ppt/slides/slide23.xml><?xml version="1.0" encoding="utf-8"?>
 <p:sld xmlns:a="http://schemas.openxmlformats.org/drawingml/2006/main" xmlns:r="http://schemas.openxmlformats.org/officeDocument/2006/relationships" xmlns:p="http://schemas.openxmlformats.org/presentationml/2006/main">
   <p:cSld>
     <p:spTree>
@@ -11139,7 +10837,7 @@
 </p:sld>
 </file>
 
-<file path=ppt/slides/slide25.xml><?xml version="1.0" encoding="utf-8"?>
+<file path=ppt/slides/slide24.xml><?xml version="1.0" encoding="utf-8"?>
 <p:sld xmlns:a="http://schemas.openxmlformats.org/drawingml/2006/main" xmlns:r="http://schemas.openxmlformats.org/officeDocument/2006/relationships" xmlns:p="http://schemas.openxmlformats.org/presentationml/2006/main">
   <p:cSld>
     <p:spTree>
@@ -11501,7 +11199,7 @@
                   <a:srgbClr val="262626"/>
                 </a:solidFill>
               </a:rPr>
-              <a:t>There are three fundamental principles to understanding IPFS:</a:t>
+              <a:t>There are three fundamental principles to understand IPFS:</a:t>
             </a:r>
             <a:endParaRPr lang="en-US" altLang="en-US" sz="1540" dirty="0">
               <a:solidFill>
@@ -12011,7 +11709,7 @@
         </p:blipFill>
         <p:spPr>
           <a:xfrm>
-            <a:off x="628650" y="1746885"/>
+            <a:off x="501650" y="2311400"/>
             <a:ext cx="7620000" cy="4848225"/>
           </a:xfrm>
           <a:prstGeom prst="rect">
@@ -12550,7 +12248,7 @@
                   <a:srgbClr val="262626"/>
                 </a:solidFill>
               </a:rPr>
-              <a:t>IPFS Cluster: </a:t>
+              <a:t>IPFS Cluster</a:t>
             </a:r>
             <a:endParaRPr lang="en-US" altLang="en-US" sz="1540" dirty="0">
               <a:solidFill>
@@ -12572,8 +12270,210 @@
                   <a:srgbClr val="262626"/>
                 </a:solidFill>
               </a:rPr>
-              <a:t>Automatic replication and pinning across your IPFS network</a:t>
-            </a:r>
+              <a:t>how to build your CDN using IPFS cluster?</a:t>
+            </a:r>
+            <a:endParaRPr lang="en-US" altLang="en-US" sz="1540" dirty="0">
+              <a:solidFill>
+                <a:srgbClr val="262626"/>
+              </a:solidFill>
+            </a:endParaRPr>
+          </a:p>
+          <a:p>
+            <a:pPr marL="228600" lvl="0" indent="-228600" defTabSz="342900">
+              <a:lnSpc>
+                <a:spcPct val="120000"/>
+              </a:lnSpc>
+              <a:buFont typeface="Arial" panose="020B0604020202020204" pitchFamily="34" charset="0"/>
+              <a:buChar char="•"/>
+            </a:pPr>
+            <a:r>
+              <a:rPr lang="en-US" altLang="en-US" sz="1540" dirty="0">
+                <a:solidFill>
+                  <a:srgbClr val="262626"/>
+                </a:solidFill>
+              </a:rPr>
+              <a:t> Step 1:</a:t>
+            </a:r>
+            <a:endParaRPr lang="en-US" altLang="en-US" sz="1540" dirty="0">
+              <a:solidFill>
+                <a:srgbClr val="262626"/>
+              </a:solidFill>
+            </a:endParaRPr>
+          </a:p>
+          <a:p>
+            <a:pPr marL="228600" lvl="0" indent="-228600" defTabSz="342900">
+              <a:lnSpc>
+                <a:spcPct val="120000"/>
+              </a:lnSpc>
+              <a:buFont typeface="Arial" panose="020B0604020202020204" pitchFamily="34" charset="0"/>
+              <a:buChar char="•"/>
+            </a:pPr>
+            <a:r>
+              <a:rPr lang="en-US" altLang="en-US" sz="1540" dirty="0">
+                <a:solidFill>
+                  <a:srgbClr val="262626"/>
+                </a:solidFill>
+              </a:rPr>
+              <a:t>domain name or a subdomain</a:t>
+            </a:r>
+            <a:endParaRPr lang="en-US" altLang="en-US" sz="1540" dirty="0">
+              <a:solidFill>
+                <a:srgbClr val="262626"/>
+              </a:solidFill>
+            </a:endParaRPr>
+          </a:p>
+          <a:p>
+            <a:pPr marL="228600" lvl="0" indent="-228600" defTabSz="342900">
+              <a:lnSpc>
+                <a:spcPct val="120000"/>
+              </a:lnSpc>
+              <a:buFont typeface="Arial" panose="020B0604020202020204" pitchFamily="34" charset="0"/>
+              <a:buChar char="•"/>
+            </a:pPr>
+            <a:endParaRPr lang="en-US" altLang="en-US" sz="1540" dirty="0">
+              <a:solidFill>
+                <a:srgbClr val="262626"/>
+              </a:solidFill>
+            </a:endParaRPr>
+          </a:p>
+          <a:p>
+            <a:pPr marL="228600" lvl="0" indent="-228600" defTabSz="342900">
+              <a:lnSpc>
+                <a:spcPct val="120000"/>
+              </a:lnSpc>
+              <a:buFont typeface="Arial" panose="020B0604020202020204" pitchFamily="34" charset="0"/>
+              <a:buChar char="•"/>
+            </a:pPr>
+            <a:r>
+              <a:rPr lang="en-US" altLang="en-US" sz="1540" dirty="0">
+                <a:solidFill>
+                  <a:srgbClr val="262626"/>
+                </a:solidFill>
+              </a:rPr>
+              <a:t>Step 2:</a:t>
+            </a:r>
+            <a:endParaRPr lang="en-US" altLang="en-US" sz="1540" dirty="0">
+              <a:solidFill>
+                <a:srgbClr val="262626"/>
+              </a:solidFill>
+            </a:endParaRPr>
+          </a:p>
+          <a:p>
+            <a:pPr marL="228600" lvl="0" indent="-228600" defTabSz="342900">
+              <a:lnSpc>
+                <a:spcPct val="120000"/>
+              </a:lnSpc>
+              <a:buFont typeface="Arial" panose="020B0604020202020204" pitchFamily="34" charset="0"/>
+              <a:buChar char="•"/>
+            </a:pPr>
+            <a:r>
+              <a:rPr lang="en-US" altLang="en-US" sz="1540" dirty="0">
+                <a:solidFill>
+                  <a:srgbClr val="262626"/>
+                </a:solidFill>
+              </a:rPr>
+              <a:t>a minimum of two servers in different regions. The servers can be dedicated or virtual (IPFS Cluster)</a:t>
+            </a:r>
+            <a:endParaRPr lang="en-US" altLang="en-US" sz="1540" dirty="0">
+              <a:solidFill>
+                <a:srgbClr val="262626"/>
+              </a:solidFill>
+            </a:endParaRPr>
+          </a:p>
+          <a:p>
+            <a:pPr marL="228600" lvl="0" indent="-228600" defTabSz="342900">
+              <a:lnSpc>
+                <a:spcPct val="120000"/>
+              </a:lnSpc>
+              <a:buFont typeface="Arial" panose="020B0604020202020204" pitchFamily="34" charset="0"/>
+              <a:buChar char="•"/>
+            </a:pPr>
+            <a:endParaRPr lang="en-US" altLang="en-US" sz="1540" dirty="0">
+              <a:solidFill>
+                <a:srgbClr val="262626"/>
+              </a:solidFill>
+            </a:endParaRPr>
+          </a:p>
+          <a:p>
+            <a:pPr marL="228600" lvl="0" indent="-228600" defTabSz="342900">
+              <a:lnSpc>
+                <a:spcPct val="120000"/>
+              </a:lnSpc>
+              <a:buFont typeface="Arial" panose="020B0604020202020204" pitchFamily="34" charset="0"/>
+              <a:buChar char="•"/>
+            </a:pPr>
+            <a:r>
+              <a:rPr lang="en-US" altLang="en-US" sz="1540" dirty="0">
+                <a:solidFill>
+                  <a:srgbClr val="262626"/>
+                </a:solidFill>
+              </a:rPr>
+              <a:t>Step 3:</a:t>
+            </a:r>
+            <a:endParaRPr lang="en-US" altLang="en-US" sz="1540" dirty="0">
+              <a:solidFill>
+                <a:srgbClr val="262626"/>
+              </a:solidFill>
+            </a:endParaRPr>
+          </a:p>
+          <a:p>
+            <a:pPr marL="228600" lvl="0" indent="-228600" defTabSz="342900">
+              <a:lnSpc>
+                <a:spcPct val="120000"/>
+              </a:lnSpc>
+              <a:buFont typeface="Arial" panose="020B0604020202020204" pitchFamily="34" charset="0"/>
+              <a:buChar char="•"/>
+            </a:pPr>
+            <a:r>
+              <a:rPr lang="en-US" altLang="en-US" sz="1540" dirty="0">
+                <a:solidFill>
+                  <a:srgbClr val="262626"/>
+                </a:solidFill>
+              </a:rPr>
+              <a:t>geoDNS tool. With it, a user sending a request to the domain will be directed to the nearest server</a:t>
+            </a:r>
+            <a:endParaRPr lang="en-US" altLang="en-US" sz="1540" dirty="0">
+              <a:solidFill>
+                <a:srgbClr val="262626"/>
+              </a:solidFill>
+            </a:endParaRPr>
+          </a:p>
+          <a:p>
+            <a:pPr marL="228600" lvl="0" indent="-228600" defTabSz="342900">
+              <a:lnSpc>
+                <a:spcPct val="120000"/>
+              </a:lnSpc>
+              <a:buFont typeface="Arial" panose="020B0604020202020204" pitchFamily="34" charset="0"/>
+              <a:buChar char="•"/>
+            </a:pPr>
+            <a:endParaRPr lang="en-US" altLang="en-US" sz="1540" dirty="0">
+              <a:solidFill>
+                <a:srgbClr val="262626"/>
+              </a:solidFill>
+            </a:endParaRPr>
+          </a:p>
+          <a:p>
+            <a:pPr marL="228600" lvl="0" indent="-228600" defTabSz="342900">
+              <a:lnSpc>
+                <a:spcPct val="120000"/>
+              </a:lnSpc>
+              <a:buFont typeface="Arial" panose="020B0604020202020204" pitchFamily="34" charset="0"/>
+              <a:buChar char="•"/>
+            </a:pPr>
+            <a:endParaRPr lang="en-US" altLang="en-US" sz="1540" dirty="0">
+              <a:solidFill>
+                <a:srgbClr val="262626"/>
+              </a:solidFill>
+            </a:endParaRPr>
+          </a:p>
+          <a:p>
+            <a:pPr marL="228600" lvl="0" indent="-228600" defTabSz="342900">
+              <a:lnSpc>
+                <a:spcPct val="120000"/>
+              </a:lnSpc>
+              <a:buFont typeface="Arial" panose="020B0604020202020204" pitchFamily="34" charset="0"/>
+              <a:buChar char="•"/>
+            </a:pPr>
             <a:endParaRPr lang="en-US" altLang="en-US" sz="1540" dirty="0">
               <a:solidFill>
                 <a:srgbClr val="262626"/>
@@ -12759,14 +12659,42 @@
               <a:buFont typeface="Arial" panose="020B0604020202020204" pitchFamily="34" charset="0"/>
               <a:buChar char="•"/>
             </a:pPr>
+            <a:endParaRPr lang="en-US" altLang="en-US" sz="1540" dirty="0">
+              <a:solidFill>
+                <a:srgbClr val="262626"/>
+              </a:solidFill>
+            </a:endParaRPr>
+          </a:p>
+          <a:p>
+            <a:pPr marL="228600" lvl="0" indent="-228600" defTabSz="342900">
+              <a:lnSpc>
+                <a:spcPct val="120000"/>
+              </a:lnSpc>
+              <a:buFont typeface="Arial" panose="020B0604020202020204" pitchFamily="34" charset="0"/>
+              <a:buChar char="•"/>
+            </a:pPr>
             <a:r>
               <a:rPr lang="en-US" altLang="en-US" sz="1540" dirty="0">
                 <a:solidFill>
                   <a:srgbClr val="262626"/>
                 </a:solidFill>
               </a:rPr>
-              <a:t> Step 1:</a:t>
-            </a:r>
+              <a:t>Here's how geoDNS works:</a:t>
+            </a:r>
+            <a:endParaRPr lang="en-US" altLang="en-US" sz="1540" dirty="0">
+              <a:solidFill>
+                <a:srgbClr val="262626"/>
+              </a:solidFill>
+            </a:endParaRPr>
+          </a:p>
+          <a:p>
+            <a:pPr marL="228600" lvl="0" indent="-228600" defTabSz="342900">
+              <a:lnSpc>
+                <a:spcPct val="120000"/>
+              </a:lnSpc>
+              <a:buFont typeface="Arial" panose="020B0604020202020204" pitchFamily="34" charset="0"/>
+              <a:buChar char="•"/>
+            </a:pPr>
             <a:endParaRPr lang="en-US" altLang="en-US" sz="1540" dirty="0">
               <a:solidFill>
                 <a:srgbClr val="262626"/>
@@ -12787,22 +12715,8 @@
                   <a:srgbClr val="262626"/>
                 </a:solidFill>
               </a:rPr>
-              <a:t>domain name or a subdomain</a:t>
-            </a:r>
-            <a:endParaRPr lang="en-US" altLang="en-US" sz="1540" dirty="0">
-              <a:solidFill>
-                <a:srgbClr val="262626"/>
-              </a:solidFill>
-            </a:endParaRPr>
-          </a:p>
-          <a:p>
-            <a:pPr marL="228600" lvl="0" indent="-228600" defTabSz="342900">
-              <a:lnSpc>
-                <a:spcPct val="120000"/>
-              </a:lnSpc>
-              <a:buFont typeface="Arial" panose="020B0604020202020204" pitchFamily="34" charset="0"/>
-              <a:buChar char="•"/>
-            </a:pPr>
+              <a:t>It gets the client's IP (if they sent the DNS request) or the IP of the recursive DNS server that is used for processing the request. Generally speaking, such recursive servers are usually the DNSs of the Internet providers.</a:t>
+            </a:r>
             <a:endParaRPr lang="en-US" altLang="en-US" sz="1540" dirty="0">
               <a:solidFill>
                 <a:srgbClr val="262626"/>
@@ -12823,7 +12737,7 @@
                   <a:srgbClr val="262626"/>
                 </a:solidFill>
               </a:rPr>
-              <a:t>Step 2:</a:t>
+              <a:t>By the client's IP it identifies their country or region. This operation requires the use of GeoIP database, which are available in no short supply. There are even decent free options.</a:t>
             </a:r>
             <a:endParaRPr lang="en-US" altLang="en-US" sz="1540" dirty="0">
               <a:solidFill>
@@ -12845,94 +12759,8 @@
                   <a:srgbClr val="262626"/>
                 </a:solidFill>
               </a:rPr>
-              <a:t>a minimum of two servers in different regions. The servers can be dedicated or virtual (IPFS Cluster)</a:t>
-            </a:r>
-            <a:endParaRPr lang="en-US" altLang="en-US" sz="1540" dirty="0">
-              <a:solidFill>
-                <a:srgbClr val="262626"/>
-              </a:solidFill>
-            </a:endParaRPr>
-          </a:p>
-          <a:p>
-            <a:pPr marL="228600" lvl="0" indent="-228600" defTabSz="342900">
-              <a:lnSpc>
-                <a:spcPct val="120000"/>
-              </a:lnSpc>
-              <a:buFont typeface="Arial" panose="020B0604020202020204" pitchFamily="34" charset="0"/>
-              <a:buChar char="•"/>
-            </a:pPr>
-            <a:endParaRPr lang="en-US" altLang="en-US" sz="1540" dirty="0">
-              <a:solidFill>
-                <a:srgbClr val="262626"/>
-              </a:solidFill>
-            </a:endParaRPr>
-          </a:p>
-          <a:p>
-            <a:pPr marL="228600" lvl="0" indent="-228600" defTabSz="342900">
-              <a:lnSpc>
-                <a:spcPct val="120000"/>
-              </a:lnSpc>
-              <a:buFont typeface="Arial" panose="020B0604020202020204" pitchFamily="34" charset="0"/>
-              <a:buChar char="•"/>
-            </a:pPr>
-            <a:r>
-              <a:rPr lang="en-US" altLang="en-US" sz="1540" dirty="0">
-                <a:solidFill>
-                  <a:srgbClr val="262626"/>
-                </a:solidFill>
-              </a:rPr>
-              <a:t>Step 3:</a:t>
-            </a:r>
-            <a:endParaRPr lang="en-US" altLang="en-US" sz="1540" dirty="0">
-              <a:solidFill>
-                <a:srgbClr val="262626"/>
-              </a:solidFill>
-            </a:endParaRPr>
-          </a:p>
-          <a:p>
-            <a:pPr marL="228600" lvl="0" indent="-228600" defTabSz="342900">
-              <a:lnSpc>
-                <a:spcPct val="120000"/>
-              </a:lnSpc>
-              <a:buFont typeface="Arial" panose="020B0604020202020204" pitchFamily="34" charset="0"/>
-              <a:buChar char="•"/>
-            </a:pPr>
-            <a:r>
-              <a:rPr lang="en-US" altLang="en-US" sz="1540" dirty="0">
-                <a:solidFill>
-                  <a:srgbClr val="262626"/>
-                </a:solidFill>
-              </a:rPr>
-              <a:t>geoDNS tool. With it, a user sending a request to the domain will be directed to the nearest server</a:t>
-            </a:r>
-            <a:endParaRPr lang="en-US" altLang="en-US" sz="1540" dirty="0">
-              <a:solidFill>
-                <a:srgbClr val="262626"/>
-              </a:solidFill>
-            </a:endParaRPr>
-          </a:p>
-          <a:p>
-            <a:pPr marL="228600" lvl="0" indent="-228600" defTabSz="342900">
-              <a:lnSpc>
-                <a:spcPct val="120000"/>
-              </a:lnSpc>
-              <a:buFont typeface="Arial" panose="020B0604020202020204" pitchFamily="34" charset="0"/>
-              <a:buChar char="•"/>
-            </a:pPr>
-            <a:endParaRPr lang="en-US" altLang="en-US" sz="1540" dirty="0">
-              <a:solidFill>
-                <a:srgbClr val="262626"/>
-              </a:solidFill>
-            </a:endParaRPr>
-          </a:p>
-          <a:p>
-            <a:pPr marL="228600" lvl="0" indent="-228600" defTabSz="342900">
-              <a:lnSpc>
-                <a:spcPct val="120000"/>
-              </a:lnSpc>
-              <a:buFont typeface="Arial" panose="020B0604020202020204" pitchFamily="34" charset="0"/>
-              <a:buChar char="•"/>
-            </a:pPr>
+              <a:t>Depending on the client's location, geoDNS returns him the IP address of the closest CDN server.</a:t>
+            </a:r>
             <a:endParaRPr lang="en-US" altLang="en-US" sz="1540" dirty="0">
               <a:solidFill>
                 <a:srgbClr val="262626"/>
